--- a/Slides/BreakSlides.pptx
+++ b/Slides/BreakSlides.pptx
@@ -12,13 +12,13 @@
     <p:handoutMasterId r:id="rId14"/>
   </p:handoutMasterIdLst>
   <p:sldIdLst>
-    <p:sldId id="262" r:id="rId6"/>
-    <p:sldId id="259" r:id="rId7"/>
-    <p:sldId id="263" r:id="rId8"/>
-    <p:sldId id="260" r:id="rId9"/>
-    <p:sldId id="264" r:id="rId10"/>
-    <p:sldId id="261" r:id="rId11"/>
-    <p:sldId id="265" r:id="rId12"/>
+    <p:sldId id="289" r:id="rId6"/>
+    <p:sldId id="277" r:id="rId7"/>
+    <p:sldId id="287" r:id="rId8"/>
+    <p:sldId id="284" r:id="rId9"/>
+    <p:sldId id="288" r:id="rId10"/>
+    <p:sldId id="290" r:id="rId11"/>
+    <p:sldId id="291" r:id="rId12"/>
   </p:sldIdLst>
   <p:sldSz cx="9144000" cy="5143500" type="screen16x9"/>
   <p:notesSz cx="6858000" cy="9144000"/>
@@ -221,7 +221,7 @@
           <a:p>
             <a:fld id="{DAC6481A-1DA1-4A08-9550-9A3F9F16C43B}" type="datetimeFigureOut">
               <a:rPr lang="en-US" smtClean="0"/>
-              <a:t>8/21/2014</a:t>
+              <a:t>10/21/2014</a:t>
             </a:fld>
             <a:endParaRPr lang="en-US"/>
           </a:p>
@@ -384,9 +384,9 @@
             </a:lvl1pPr>
           </a:lstStyle>
           <a:p>
-            <a:fld id="{92DF61FE-84D5-4ECC-9C15-50A5843BDC04}" type="datetimeFigureOut">
+            <a:fld id="{58FCBABE-C15A-4A1C-842B-47089B73261D}" type="datetimeFigureOut">
               <a:rPr lang="en-US" smtClean="0"/>
-              <a:t>8/21/2014</a:t>
+              <a:t>10/21/2014</a:t>
             </a:fld>
             <a:endParaRPr lang="en-US"/>
           </a:p>
@@ -543,7 +543,7 @@
             </a:lvl1pPr>
           </a:lstStyle>
           <a:p>
-            <a:fld id="{3C16682C-5FBE-4FF1-BE06-99A9013AC904}" type="slidenum">
+            <a:fld id="{F70EB3C1-7210-4BBA-8BEE-65946952674C}" type="slidenum">
               <a:rPr lang="en-US" smtClean="0"/>
               <a:t>‹#›</a:t>
             </a:fld>
@@ -554,7 +554,7 @@
     </p:spTree>
     <p:extLst>
       <p:ext uri="{BB962C8B-B14F-4D97-AF65-F5344CB8AC3E}">
-        <p14:creationId xmlns:p14="http://schemas.microsoft.com/office/powerpoint/2010/main" val="3048427339"/>
+        <p14:creationId xmlns:p14="http://schemas.microsoft.com/office/powerpoint/2010/main" val="1327323356"/>
       </p:ext>
     </p:extLst>
   </p:cSld>
@@ -698,17 +698,7 @@
           <a:bodyPr/>
           <a:lstStyle/>
           <a:p>
-            <a:r>
-              <a:rPr lang="en-US" dirty="0" smtClean="0"/>
-              <a:t>Michael: You might want to put</a:t>
-            </a:r>
-            <a:r>
-              <a:rPr lang="en-US" baseline="0" dirty="0" smtClean="0"/>
-              <a:t> a higher quality image in and edit your social feeds</a:t>
-            </a:r>
-          </a:p>
-          <a:p>
-            <a:endParaRPr lang="en-US" dirty="0"/>
+            <a:endParaRPr lang="en-US"/>
           </a:p>
         </p:txBody>
       </p:sp>
@@ -727,9 +717,9 @@
           <a:bodyPr/>
           <a:lstStyle/>
           <a:p>
-            <a:fld id="{3C16682C-5FBE-4FF1-BE06-99A9013AC904}" type="slidenum">
+            <a:fld id="{F70EB3C1-7210-4BBA-8BEE-65946952674C}" type="slidenum">
               <a:rPr lang="en-US" smtClean="0"/>
-              <a:t>7</a:t>
+              <a:t>1</a:t>
             </a:fld>
             <a:endParaRPr lang="en-US"/>
           </a:p>
@@ -738,7 +728,343 @@
     </p:spTree>
     <p:extLst>
       <p:ext uri="{BB962C8B-B14F-4D97-AF65-F5344CB8AC3E}">
-        <p14:creationId xmlns:p14="http://schemas.microsoft.com/office/powerpoint/2010/main" val="245048496"/>
+        <p14:creationId xmlns:p14="http://schemas.microsoft.com/office/powerpoint/2010/main" val="2903669339"/>
+      </p:ext>
+    </p:extLst>
+  </p:cSld>
+  <p:clrMapOvr>
+    <a:masterClrMapping/>
+  </p:clrMapOvr>
+</p:notes>
+</file>
+
+<file path=ppt/notesSlides/notesSlide2.xml><?xml version="1.0" encoding="utf-8"?>
+<p:notes xmlns:a="http://schemas.openxmlformats.org/drawingml/2006/main" xmlns:r="http://schemas.openxmlformats.org/officeDocument/2006/relationships" xmlns:p="http://schemas.openxmlformats.org/presentationml/2006/main">
+  <p:cSld>
+    <p:spTree>
+      <p:nvGrpSpPr>
+        <p:cNvPr id="1" name=""/>
+        <p:cNvGrpSpPr/>
+        <p:nvPr/>
+      </p:nvGrpSpPr>
+      <p:grpSpPr>
+        <a:xfrm>
+          <a:off x="0" y="0"/>
+          <a:ext cx="0" cy="0"/>
+          <a:chOff x="0" y="0"/>
+          <a:chExt cx="0" cy="0"/>
+        </a:xfrm>
+      </p:grpSpPr>
+      <p:sp>
+        <p:nvSpPr>
+          <p:cNvPr id="2" name="Slide Image Placeholder 1"/>
+          <p:cNvSpPr>
+            <a:spLocks noGrp="1" noRot="1" noChangeAspect="1"/>
+          </p:cNvSpPr>
+          <p:nvPr>
+            <p:ph type="sldImg"/>
+          </p:nvPr>
+        </p:nvSpPr>
+        <p:spPr/>
+      </p:sp>
+      <p:sp>
+        <p:nvSpPr>
+          <p:cNvPr id="3" name="Notes Placeholder 2"/>
+          <p:cNvSpPr>
+            <a:spLocks noGrp="1"/>
+          </p:cNvSpPr>
+          <p:nvPr>
+            <p:ph type="body" idx="1"/>
+          </p:nvPr>
+        </p:nvSpPr>
+        <p:spPr/>
+        <p:txBody>
+          <a:bodyPr/>
+          <a:lstStyle/>
+          <a:p>
+            <a:endParaRPr lang="en-US"/>
+          </a:p>
+        </p:txBody>
+      </p:sp>
+      <p:sp>
+        <p:nvSpPr>
+          <p:cNvPr id="4" name="Slide Number Placeholder 3"/>
+          <p:cNvSpPr>
+            <a:spLocks noGrp="1"/>
+          </p:cNvSpPr>
+          <p:nvPr>
+            <p:ph type="sldNum" sz="quarter" idx="10"/>
+          </p:nvPr>
+        </p:nvSpPr>
+        <p:spPr/>
+        <p:txBody>
+          <a:bodyPr/>
+          <a:lstStyle/>
+          <a:p>
+            <a:fld id="{F70EB3C1-7210-4BBA-8BEE-65946952674C}" type="slidenum">
+              <a:rPr lang="en-US" smtClean="0"/>
+              <a:t>2</a:t>
+            </a:fld>
+            <a:endParaRPr lang="en-US"/>
+          </a:p>
+        </p:txBody>
+      </p:sp>
+    </p:spTree>
+    <p:extLst>
+      <p:ext uri="{BB962C8B-B14F-4D97-AF65-F5344CB8AC3E}">
+        <p14:creationId xmlns:p14="http://schemas.microsoft.com/office/powerpoint/2010/main" val="1541927203"/>
+      </p:ext>
+    </p:extLst>
+  </p:cSld>
+  <p:clrMapOvr>
+    <a:masterClrMapping/>
+  </p:clrMapOvr>
+</p:notes>
+</file>
+
+<file path=ppt/notesSlides/notesSlide3.xml><?xml version="1.0" encoding="utf-8"?>
+<p:notes xmlns:a="http://schemas.openxmlformats.org/drawingml/2006/main" xmlns:r="http://schemas.openxmlformats.org/officeDocument/2006/relationships" xmlns:p="http://schemas.openxmlformats.org/presentationml/2006/main">
+  <p:cSld>
+    <p:spTree>
+      <p:nvGrpSpPr>
+        <p:cNvPr id="1" name=""/>
+        <p:cNvGrpSpPr/>
+        <p:nvPr/>
+      </p:nvGrpSpPr>
+      <p:grpSpPr>
+        <a:xfrm>
+          <a:off x="0" y="0"/>
+          <a:ext cx="0" cy="0"/>
+          <a:chOff x="0" y="0"/>
+          <a:chExt cx="0" cy="0"/>
+        </a:xfrm>
+      </p:grpSpPr>
+      <p:sp>
+        <p:nvSpPr>
+          <p:cNvPr id="2" name="Slide Image Placeholder 1"/>
+          <p:cNvSpPr>
+            <a:spLocks noGrp="1" noRot="1" noChangeAspect="1"/>
+          </p:cNvSpPr>
+          <p:nvPr>
+            <p:ph type="sldImg"/>
+          </p:nvPr>
+        </p:nvSpPr>
+        <p:spPr/>
+      </p:sp>
+      <p:sp>
+        <p:nvSpPr>
+          <p:cNvPr id="3" name="Notes Placeholder 2"/>
+          <p:cNvSpPr>
+            <a:spLocks noGrp="1"/>
+          </p:cNvSpPr>
+          <p:nvPr>
+            <p:ph type="body" idx="1"/>
+          </p:nvPr>
+        </p:nvSpPr>
+        <p:spPr/>
+        <p:txBody>
+          <a:bodyPr/>
+          <a:lstStyle/>
+          <a:p>
+            <a:endParaRPr lang="en-US"/>
+          </a:p>
+        </p:txBody>
+      </p:sp>
+      <p:sp>
+        <p:nvSpPr>
+          <p:cNvPr id="4" name="Slide Number Placeholder 3"/>
+          <p:cNvSpPr>
+            <a:spLocks noGrp="1"/>
+          </p:cNvSpPr>
+          <p:nvPr>
+            <p:ph type="sldNum" sz="quarter" idx="10"/>
+          </p:nvPr>
+        </p:nvSpPr>
+        <p:spPr/>
+        <p:txBody>
+          <a:bodyPr/>
+          <a:lstStyle/>
+          <a:p>
+            <a:fld id="{F70EB3C1-7210-4BBA-8BEE-65946952674C}" type="slidenum">
+              <a:rPr lang="en-US" smtClean="0"/>
+              <a:t>3</a:t>
+            </a:fld>
+            <a:endParaRPr lang="en-US"/>
+          </a:p>
+        </p:txBody>
+      </p:sp>
+    </p:spTree>
+    <p:extLst>
+      <p:ext uri="{BB962C8B-B14F-4D97-AF65-F5344CB8AC3E}">
+        <p14:creationId xmlns:p14="http://schemas.microsoft.com/office/powerpoint/2010/main" val="16132408"/>
+      </p:ext>
+    </p:extLst>
+  </p:cSld>
+  <p:clrMapOvr>
+    <a:masterClrMapping/>
+  </p:clrMapOvr>
+</p:notes>
+</file>
+
+<file path=ppt/notesSlides/notesSlide4.xml><?xml version="1.0" encoding="utf-8"?>
+<p:notes xmlns:a="http://schemas.openxmlformats.org/drawingml/2006/main" xmlns:r="http://schemas.openxmlformats.org/officeDocument/2006/relationships" xmlns:p="http://schemas.openxmlformats.org/presentationml/2006/main">
+  <p:cSld>
+    <p:spTree>
+      <p:nvGrpSpPr>
+        <p:cNvPr id="1" name=""/>
+        <p:cNvGrpSpPr/>
+        <p:nvPr/>
+      </p:nvGrpSpPr>
+      <p:grpSpPr>
+        <a:xfrm>
+          <a:off x="0" y="0"/>
+          <a:ext cx="0" cy="0"/>
+          <a:chOff x="0" y="0"/>
+          <a:chExt cx="0" cy="0"/>
+        </a:xfrm>
+      </p:grpSpPr>
+      <p:sp>
+        <p:nvSpPr>
+          <p:cNvPr id="2" name="Slide Image Placeholder 1"/>
+          <p:cNvSpPr>
+            <a:spLocks noGrp="1" noRot="1" noChangeAspect="1"/>
+          </p:cNvSpPr>
+          <p:nvPr>
+            <p:ph type="sldImg"/>
+          </p:nvPr>
+        </p:nvSpPr>
+        <p:spPr/>
+      </p:sp>
+      <p:sp>
+        <p:nvSpPr>
+          <p:cNvPr id="3" name="Notes Placeholder 2"/>
+          <p:cNvSpPr>
+            <a:spLocks noGrp="1"/>
+          </p:cNvSpPr>
+          <p:nvPr>
+            <p:ph type="body" idx="1"/>
+          </p:nvPr>
+        </p:nvSpPr>
+        <p:spPr/>
+        <p:txBody>
+          <a:bodyPr/>
+          <a:lstStyle/>
+          <a:p>
+            <a:endParaRPr lang="en-US"/>
+          </a:p>
+        </p:txBody>
+      </p:sp>
+      <p:sp>
+        <p:nvSpPr>
+          <p:cNvPr id="4" name="Slide Number Placeholder 3"/>
+          <p:cNvSpPr>
+            <a:spLocks noGrp="1"/>
+          </p:cNvSpPr>
+          <p:nvPr>
+            <p:ph type="sldNum" sz="quarter" idx="10"/>
+          </p:nvPr>
+        </p:nvSpPr>
+        <p:spPr/>
+        <p:txBody>
+          <a:bodyPr/>
+          <a:lstStyle/>
+          <a:p>
+            <a:fld id="{F70EB3C1-7210-4BBA-8BEE-65946952674C}" type="slidenum">
+              <a:rPr lang="en-US" smtClean="0"/>
+              <a:t>4</a:t>
+            </a:fld>
+            <a:endParaRPr lang="en-US"/>
+          </a:p>
+        </p:txBody>
+      </p:sp>
+    </p:spTree>
+    <p:extLst>
+      <p:ext uri="{BB962C8B-B14F-4D97-AF65-F5344CB8AC3E}">
+        <p14:creationId xmlns:p14="http://schemas.microsoft.com/office/powerpoint/2010/main" val="3495752466"/>
+      </p:ext>
+    </p:extLst>
+  </p:cSld>
+  <p:clrMapOvr>
+    <a:masterClrMapping/>
+  </p:clrMapOvr>
+</p:notes>
+</file>
+
+<file path=ppt/notesSlides/notesSlide5.xml><?xml version="1.0" encoding="utf-8"?>
+<p:notes xmlns:a="http://schemas.openxmlformats.org/drawingml/2006/main" xmlns:r="http://schemas.openxmlformats.org/officeDocument/2006/relationships" xmlns:p="http://schemas.openxmlformats.org/presentationml/2006/main">
+  <p:cSld>
+    <p:spTree>
+      <p:nvGrpSpPr>
+        <p:cNvPr id="1" name=""/>
+        <p:cNvGrpSpPr/>
+        <p:nvPr/>
+      </p:nvGrpSpPr>
+      <p:grpSpPr>
+        <a:xfrm>
+          <a:off x="0" y="0"/>
+          <a:ext cx="0" cy="0"/>
+          <a:chOff x="0" y="0"/>
+          <a:chExt cx="0" cy="0"/>
+        </a:xfrm>
+      </p:grpSpPr>
+      <p:sp>
+        <p:nvSpPr>
+          <p:cNvPr id="2" name="Slide Image Placeholder 1"/>
+          <p:cNvSpPr>
+            <a:spLocks noGrp="1" noRot="1" noChangeAspect="1"/>
+          </p:cNvSpPr>
+          <p:nvPr>
+            <p:ph type="sldImg"/>
+          </p:nvPr>
+        </p:nvSpPr>
+        <p:spPr/>
+      </p:sp>
+      <p:sp>
+        <p:nvSpPr>
+          <p:cNvPr id="3" name="Notes Placeholder 2"/>
+          <p:cNvSpPr>
+            <a:spLocks noGrp="1"/>
+          </p:cNvSpPr>
+          <p:nvPr>
+            <p:ph type="body" idx="1"/>
+          </p:nvPr>
+        </p:nvSpPr>
+        <p:spPr/>
+        <p:txBody>
+          <a:bodyPr/>
+          <a:lstStyle/>
+          <a:p>
+            <a:endParaRPr lang="en-US"/>
+          </a:p>
+        </p:txBody>
+      </p:sp>
+      <p:sp>
+        <p:nvSpPr>
+          <p:cNvPr id="4" name="Slide Number Placeholder 3"/>
+          <p:cNvSpPr>
+            <a:spLocks noGrp="1"/>
+          </p:cNvSpPr>
+          <p:nvPr>
+            <p:ph type="sldNum" sz="quarter" idx="10"/>
+          </p:nvPr>
+        </p:nvSpPr>
+        <p:spPr/>
+        <p:txBody>
+          <a:bodyPr/>
+          <a:lstStyle/>
+          <a:p>
+            <a:fld id="{F70EB3C1-7210-4BBA-8BEE-65946952674C}" type="slidenum">
+              <a:rPr lang="en-US" smtClean="0"/>
+              <a:t>5</a:t>
+            </a:fld>
+            <a:endParaRPr lang="en-US"/>
+          </a:p>
+        </p:txBody>
+      </p:sp>
+    </p:spTree>
+    <p:extLst>
+      <p:ext uri="{BB962C8B-B14F-4D97-AF65-F5344CB8AC3E}">
+        <p14:creationId xmlns:p14="http://schemas.microsoft.com/office/powerpoint/2010/main" val="1001890869"/>
       </p:ext>
     </p:extLst>
   </p:cSld>
@@ -782,6 +1108,156 @@
       </p:par>
     </p:tnLst>
   </p:timing>
+</p:sldLayout>
+</file>
+
+<file path=ppt/slideLayouts/slideLayout10.xml><?xml version="1.0" encoding="utf-8"?>
+<p:sldLayout xmlns:a="http://schemas.openxmlformats.org/drawingml/2006/main" xmlns:r="http://schemas.openxmlformats.org/officeDocument/2006/relationships" xmlns:p="http://schemas.openxmlformats.org/presentationml/2006/main" type="titleOnly">
+  <p:cSld name="Title Only">
+    <p:spTree>
+      <p:nvGrpSpPr>
+        <p:cNvPr id="1" name=""/>
+        <p:cNvGrpSpPr/>
+        <p:nvPr/>
+      </p:nvGrpSpPr>
+      <p:grpSpPr>
+        <a:xfrm>
+          <a:off x="0" y="0"/>
+          <a:ext cx="0" cy="0"/>
+          <a:chOff x="0" y="0"/>
+          <a:chExt cx="0" cy="0"/>
+        </a:xfrm>
+      </p:grpSpPr>
+      <p:sp>
+        <p:nvSpPr>
+          <p:cNvPr id="2" name="Title 1"/>
+          <p:cNvSpPr>
+            <a:spLocks noGrp="1"/>
+          </p:cNvSpPr>
+          <p:nvPr>
+            <p:ph type="title"/>
+          </p:nvPr>
+        </p:nvSpPr>
+        <p:spPr>
+          <a:xfrm>
+            <a:off x="628650" y="273844"/>
+            <a:ext cx="7886700" cy="994172"/>
+          </a:xfrm>
+          <a:prstGeom prst="rect">
+            <a:avLst/>
+          </a:prstGeom>
+        </p:spPr>
+        <p:txBody>
+          <a:bodyPr/>
+          <a:lstStyle/>
+          <a:p>
+            <a:r>
+              <a:rPr lang="en-US" smtClean="0"/>
+              <a:t>Click to edit Master title style</a:t>
+            </a:r>
+            <a:endParaRPr lang="en-US"/>
+          </a:p>
+        </p:txBody>
+      </p:sp>
+      <p:sp>
+        <p:nvSpPr>
+          <p:cNvPr id="3" name="Date Placeholder 2"/>
+          <p:cNvSpPr>
+            <a:spLocks noGrp="1"/>
+          </p:cNvSpPr>
+          <p:nvPr>
+            <p:ph type="dt" sz="half" idx="10"/>
+          </p:nvPr>
+        </p:nvSpPr>
+        <p:spPr>
+          <a:xfrm>
+            <a:off x="628650" y="4767263"/>
+            <a:ext cx="2057400" cy="273844"/>
+          </a:xfrm>
+          <a:prstGeom prst="rect">
+            <a:avLst/>
+          </a:prstGeom>
+        </p:spPr>
+        <p:txBody>
+          <a:bodyPr/>
+          <a:lstStyle/>
+          <a:p>
+            <a:fld id="{83805CB4-0253-4824-808B-6F135B79ADD8}" type="datetimeFigureOut">
+              <a:rPr lang="en-US" smtClean="0"/>
+              <a:t>10/21/2014</a:t>
+            </a:fld>
+            <a:endParaRPr lang="en-US"/>
+          </a:p>
+        </p:txBody>
+      </p:sp>
+      <p:sp>
+        <p:nvSpPr>
+          <p:cNvPr id="4" name="Footer Placeholder 3"/>
+          <p:cNvSpPr>
+            <a:spLocks noGrp="1"/>
+          </p:cNvSpPr>
+          <p:nvPr>
+            <p:ph type="ftr" sz="quarter" idx="11"/>
+          </p:nvPr>
+        </p:nvSpPr>
+        <p:spPr>
+          <a:xfrm>
+            <a:off x="3028950" y="4767263"/>
+            <a:ext cx="3086100" cy="273844"/>
+          </a:xfrm>
+          <a:prstGeom prst="rect">
+            <a:avLst/>
+          </a:prstGeom>
+        </p:spPr>
+        <p:txBody>
+          <a:bodyPr/>
+          <a:lstStyle/>
+          <a:p>
+            <a:endParaRPr lang="en-US"/>
+          </a:p>
+        </p:txBody>
+      </p:sp>
+      <p:sp>
+        <p:nvSpPr>
+          <p:cNvPr id="5" name="Slide Number Placeholder 4"/>
+          <p:cNvSpPr>
+            <a:spLocks noGrp="1"/>
+          </p:cNvSpPr>
+          <p:nvPr>
+            <p:ph type="sldNum" sz="quarter" idx="12"/>
+          </p:nvPr>
+        </p:nvSpPr>
+        <p:spPr>
+          <a:xfrm>
+            <a:off x="6457950" y="4767263"/>
+            <a:ext cx="2057400" cy="273844"/>
+          </a:xfrm>
+          <a:prstGeom prst="rect">
+            <a:avLst/>
+          </a:prstGeom>
+        </p:spPr>
+        <p:txBody>
+          <a:bodyPr/>
+          <a:lstStyle/>
+          <a:p>
+            <a:fld id="{285C31F9-F65E-4639-83A0-1AD32A120AF0}" type="slidenum">
+              <a:rPr lang="en-US" smtClean="0"/>
+              <a:t>‹#›</a:t>
+            </a:fld>
+            <a:endParaRPr lang="en-US"/>
+          </a:p>
+        </p:txBody>
+      </p:sp>
+    </p:spTree>
+    <p:extLst>
+      <p:ext uri="{BB962C8B-B14F-4D97-AF65-F5344CB8AC3E}">
+        <p14:creationId xmlns:p14="http://schemas.microsoft.com/office/powerpoint/2010/main" val="3993584756"/>
+      </p:ext>
+    </p:extLst>
+  </p:cSld>
+  <p:clrMapOvr>
+    <a:masterClrMapping/>
+  </p:clrMapOvr>
 </p:sldLayout>
 </file>
 
@@ -2704,7 +3180,7 @@
     <p:bg>
       <p:bgPr>
         <a:blipFill rotWithShape="1">
-          <a:blip r:embed="rId7"/>
+          <a:blip r:embed="rId8"/>
           <a:stretch>
             <a:fillRect/>
           </a:stretch>
@@ -2735,7 +3211,7 @@
           <p:nvPr userDrawn="1"/>
         </p:nvPicPr>
         <p:blipFill>
-          <a:blip r:embed="rId8">
+          <a:blip r:embed="rId9">
             <a:extLst>
               <a:ext uri="{28A0092B-C50C-407E-A947-70E740481C1C}">
                 <a14:useLocalDpi xmlns:a14="http://schemas.microsoft.com/office/drawing/2010/main" val="0"/>
@@ -2765,6 +3241,7 @@
     <p:sldLayoutId id="2147483657" r:id="rId3"/>
     <p:sldLayoutId id="2147483656" r:id="rId4"/>
     <p:sldLayoutId id="2147483654" r:id="rId5"/>
+    <p:sldLayoutId id="2147483675" r:id="rId6"/>
   </p:sldLayoutIdLst>
   <p:timing>
     <p:tnLst>
@@ -3058,6 +3535,119 @@
           <a:chExt cx="0" cy="0"/>
         </a:xfrm>
       </p:grpSpPr>
+      <p:sp>
+        <p:nvSpPr>
+          <p:cNvPr id="3" name="Rectangle 2"/>
+          <p:cNvSpPr/>
+          <p:nvPr/>
+        </p:nvSpPr>
+        <p:spPr>
+          <a:xfrm>
+            <a:off x="1074769" y="429828"/>
+            <a:ext cx="7143750" cy="394788"/>
+          </a:xfrm>
+          <a:prstGeom prst="rect">
+            <a:avLst/>
+          </a:prstGeom>
+        </p:spPr>
+        <p:txBody>
+          <a:bodyPr wrap="square">
+            <a:spAutoFit/>
+          </a:bodyPr>
+          <a:lstStyle/>
+          <a:p>
+            <a:pPr algn="ctr">
+              <a:lnSpc>
+                <a:spcPts val="2250"/>
+              </a:lnSpc>
+            </a:pPr>
+            <a:r>
+              <a:rPr lang="en-US" sz="2400" dirty="0" smtClean="0">
+                <a:solidFill>
+                  <a:schemeClr val="bg1"/>
+                </a:solidFill>
+              </a:rPr>
+              <a:t>Mobile Web Application Development Jump Start</a:t>
+            </a:r>
+            <a:endParaRPr lang="en-US" sz="1100" dirty="0">
+              <a:solidFill>
+                <a:schemeClr val="bg1"/>
+              </a:solidFill>
+              <a:effectLst/>
+              <a:latin typeface="Calibri" panose="020F0502020204030204" pitchFamily="34" charset="0"/>
+              <a:ea typeface="Calibri" panose="020F0502020204030204" pitchFamily="34" charset="0"/>
+              <a:cs typeface="Times New Roman" panose="02020603050405020304" pitchFamily="18" charset="0"/>
+            </a:endParaRPr>
+          </a:p>
+        </p:txBody>
+      </p:sp>
+      <p:pic>
+        <p:nvPicPr>
+          <p:cNvPr id="2" name="Picture 1"/>
+          <p:cNvPicPr>
+            <a:picLocks noChangeAspect="1"/>
+          </p:cNvPicPr>
+          <p:nvPr/>
+        </p:nvPicPr>
+        <p:blipFill>
+          <a:blip r:embed="rId3">
+            <a:extLst>
+              <a:ext uri="{28A0092B-C50C-407E-A947-70E740481C1C}">
+                <a14:useLocalDpi xmlns:a14="http://schemas.microsoft.com/office/drawing/2010/main" val="0"/>
+              </a:ext>
+            </a:extLst>
+          </a:blip>
+          <a:stretch>
+            <a:fillRect/>
+          </a:stretch>
+        </p:blipFill>
+        <p:spPr>
+          <a:xfrm>
+            <a:off x="1000125" y="1143000"/>
+            <a:ext cx="7143750" cy="2857500"/>
+          </a:xfrm>
+          <a:prstGeom prst="rect">
+            <a:avLst/>
+          </a:prstGeom>
+        </p:spPr>
+      </p:pic>
+    </p:spTree>
+    <p:extLst>
+      <p:ext uri="{BB962C8B-B14F-4D97-AF65-F5344CB8AC3E}">
+        <p14:creationId xmlns:p14="http://schemas.microsoft.com/office/powerpoint/2010/main" val="257435258"/>
+      </p:ext>
+    </p:extLst>
+  </p:cSld>
+  <p:clrMapOvr>
+    <a:masterClrMapping/>
+  </p:clrMapOvr>
+  <p:timing>
+    <p:tnLst>
+      <p:par>
+        <p:cTn id="1" dur="indefinite" restart="never" nodeType="tmRoot"/>
+      </p:par>
+    </p:tnLst>
+  </p:timing>
+</p:sld>
+</file>
+
+<file path=ppt/slides/slide2.xml><?xml version="1.0" encoding="utf-8"?>
+<p:sld xmlns:a="http://schemas.openxmlformats.org/drawingml/2006/main" xmlns:r="http://schemas.openxmlformats.org/officeDocument/2006/relationships" xmlns:p="http://schemas.openxmlformats.org/presentationml/2006/main">
+  <p:cSld>
+    <p:spTree>
+      <p:nvGrpSpPr>
+        <p:cNvPr id="1" name=""/>
+        <p:cNvGrpSpPr/>
+        <p:nvPr/>
+      </p:nvGrpSpPr>
+      <p:grpSpPr>
+        <a:xfrm>
+          <a:off x="0" y="0"/>
+          <a:ext cx="0" cy="0"/>
+          <a:chOff x="0" y="0"/>
+          <a:chExt cx="0" cy="0"/>
+        </a:xfrm>
+      </p:grpSpPr>
       <p:pic>
         <p:nvPicPr>
           <p:cNvPr id="6" name="Picture 5"/>
@@ -3067,7 +3657,7 @@
           <p:nvPr/>
         </p:nvPicPr>
         <p:blipFill>
-          <a:blip r:embed="rId2">
+          <a:blip r:embed="rId3">
             <a:extLst>
               <a:ext uri="{28A0092B-C50C-407E-A947-70E740481C1C}">
                 <a14:useLocalDpi xmlns:a14="http://schemas.microsoft.com/office/drawing/2010/main" val="0"/>
@@ -3106,7 +3696,7 @@
           <a:lstStyle/>
           <a:p>
             <a:r>
-              <a:rPr lang="en-US" smtClean="0"/>
+              <a:rPr lang="en-US" dirty="0" smtClean="0"/>
               <a:t>	 Join the MVA Community!</a:t>
             </a:r>
             <a:endParaRPr lang="en-US" dirty="0"/>
@@ -3128,6 +3718,9 @@
           <a:bodyPr/>
           <a:lstStyle/>
           <a:p>
+            <a:pPr marL="0" indent="0">
+              <a:buNone/>
+            </a:pPr>
             <a:r>
               <a:rPr lang="en-US" dirty="0" smtClean="0"/>
               <a:t>Microsoft Virtual Academy—Free online training!</a:t>
@@ -3148,6 +3741,9 @@
             </a:r>
           </a:p>
           <a:p>
+            <a:pPr marL="0" indent="0">
+              <a:buNone/>
+            </a:pPr>
             <a:r>
               <a:rPr lang="en-US" dirty="0" smtClean="0"/>
               <a:t>Earn while you learn! </a:t>
@@ -3164,18 +3760,26 @@
             <a:pPr lvl="1"/>
             <a:r>
               <a:rPr lang="en-US" dirty="0" smtClean="0"/>
-              <a:t>Visit </a:t>
+              <a:t>Visit  </a:t>
             </a:r>
             <a:r>
               <a:rPr lang="en-US" b="1" dirty="0" smtClean="0">
-                <a:hlinkClick r:id="rId3"/>
+                <a:solidFill>
+                  <a:srgbClr val="00B0F0"/>
+                </a:solidFill>
               </a:rPr>
-              <a:t>http://aka.ms/MVA-Voucher</a:t>
-            </a:r>
-            <a:r>
-              <a:rPr lang="en-US" b="1" dirty="0" smtClean="0"/>
-              <a:t> </a:t>
-            </a:r>
+              <a:t>http://aka.ms/MVA-Voucher </a:t>
+            </a:r>
+            <a:endParaRPr lang="en-US" b="1" dirty="0" smtClean="0">
+              <a:ln>
+                <a:solidFill>
+                  <a:srgbClr val="00B0F0"/>
+                </a:solidFill>
+              </a:ln>
+              <a:solidFill>
+                <a:srgbClr val="00B0F0"/>
+              </a:solidFill>
+            </a:endParaRPr>
           </a:p>
           <a:p>
             <a:pPr lvl="1"/>
@@ -3184,14 +3788,29 @@
               <a:t>Code: </a:t>
             </a:r>
             <a:r>
-              <a:rPr lang="en-US" b="1" dirty="0" smtClean="0"/>
-              <a:t>Bing</a:t>
+              <a:rPr lang="en-US" b="1" dirty="0" err="1"/>
+              <a:t>MobileWebDev</a:t>
+            </a:r>
+            <a:r>
+              <a:rPr lang="en-US" dirty="0"/>
+              <a:t> </a:t>
             </a:r>
             <a:r>
               <a:rPr lang="en-US" dirty="0" smtClean="0"/>
-              <a:t> (expires 7/5/2013)</a:t>
-            </a:r>
-            <a:endParaRPr lang="en-US" dirty="0"/>
+              <a:t>(</a:t>
+            </a:r>
+            <a:r>
+              <a:rPr lang="en-US" dirty="0"/>
+              <a:t>expires November </a:t>
+            </a:r>
+            <a:r>
+              <a:rPr lang="en-US" dirty="0" smtClean="0"/>
+              <a:t>24, </a:t>
+            </a:r>
+            <a:r>
+              <a:rPr lang="en-US" dirty="0"/>
+              <a:t>2014)</a:t>
+            </a:r>
           </a:p>
         </p:txBody>
       </p:sp>
@@ -3219,336 +3838,10 @@
           </a:prstGeom>
         </p:spPr>
       </p:pic>
-      <p:sp>
-        <p:nvSpPr>
-          <p:cNvPr id="12" name="TextBox 11"/>
-          <p:cNvSpPr txBox="1"/>
-          <p:nvPr/>
-        </p:nvSpPr>
-        <p:spPr>
-          <a:xfrm>
-            <a:off x="537225" y="3156102"/>
-            <a:ext cx="6696045" cy="877005"/>
-          </a:xfrm>
-          <a:prstGeom prst="rect">
-            <a:avLst/>
-          </a:prstGeom>
-          <a:solidFill>
-            <a:srgbClr val="FF0000">
-              <a:alpha val="10000"/>
-            </a:srgbClr>
-          </a:solidFill>
-          <a:ln w="6350">
-            <a:solidFill>
-              <a:srgbClr val="FF0000"/>
-            </a:solidFill>
-          </a:ln>
-        </p:spPr>
-        <p:txBody>
-          <a:bodyPr wrap="square" rtlCol="0">
-            <a:spAutoFit/>
-          </a:bodyPr>
-          <a:lstStyle/>
-          <a:p>
-            <a:pPr defTabSz="457189"/>
-            <a:endParaRPr lang="en-US" dirty="0">
-              <a:solidFill>
-                <a:srgbClr val="75B433"/>
-              </a:solidFill>
-              <a:latin typeface="Segoe UI" panose="020B0502040204020203" pitchFamily="34" charset="0"/>
-              <a:cs typeface="Segoe UI" panose="020B0502040204020203" pitchFamily="34" charset="0"/>
-            </a:endParaRPr>
-          </a:p>
-        </p:txBody>
-      </p:sp>
     </p:spTree>
     <p:extLst>
       <p:ext uri="{BB962C8B-B14F-4D97-AF65-F5344CB8AC3E}">
-        <p14:creationId xmlns:p14="http://schemas.microsoft.com/office/powerpoint/2010/main" val="307210586"/>
-      </p:ext>
-    </p:extLst>
-  </p:cSld>
-  <p:clrMapOvr>
-    <a:masterClrMapping/>
-  </p:clrMapOvr>
-  <p:timing>
-    <p:tnLst>
-      <p:par>
-        <p:cTn id="1" dur="indefinite" restart="never" nodeType="tmRoot">
-          <p:childTnLst>
-            <p:seq concurrent="1" nextAc="seek">
-              <p:cTn id="2" dur="indefinite" nodeType="mainSeq">
-                <p:childTnLst>
-                  <p:par>
-                    <p:cTn id="3" fill="hold">
-                      <p:stCondLst>
-                        <p:cond delay="indefinite"/>
-                        <p:cond evt="onBegin" delay="0">
-                          <p:tn val="2"/>
-                        </p:cond>
-                      </p:stCondLst>
-                      <p:childTnLst>
-                        <p:par>
-                          <p:cTn id="4" fill="hold">
-                            <p:stCondLst>
-                              <p:cond delay="0"/>
-                            </p:stCondLst>
-                            <p:childTnLst>
-                              <p:par>
-                                <p:cTn id="5" presetID="10" presetClass="entr" presetSubtype="0" fill="hold" grpId="0" nodeType="afterEffect">
-                                  <p:stCondLst>
-                                    <p:cond delay="0"/>
-                                  </p:stCondLst>
-                                  <p:childTnLst>
-                                    <p:set>
-                                      <p:cBhvr>
-                                        <p:cTn id="6" dur="1" fill="hold">
-                                          <p:stCondLst>
-                                            <p:cond delay="0"/>
-                                          </p:stCondLst>
-                                        </p:cTn>
-                                        <p:tgtEl>
-                                          <p:spTgt spid="12"/>
-                                        </p:tgtEl>
-                                        <p:attrNameLst>
-                                          <p:attrName>style.visibility</p:attrName>
-                                        </p:attrNameLst>
-                                      </p:cBhvr>
-                                      <p:to>
-                                        <p:strVal val="visible"/>
-                                      </p:to>
-                                    </p:set>
-                                    <p:animEffect transition="in" filter="fade">
-                                      <p:cBhvr>
-                                        <p:cTn id="7" dur="2000"/>
-                                        <p:tgtEl>
-                                          <p:spTgt spid="12"/>
-                                        </p:tgtEl>
-                                      </p:cBhvr>
-                                    </p:animEffect>
-                                  </p:childTnLst>
-                                </p:cTn>
-                              </p:par>
-                            </p:childTnLst>
-                          </p:cTn>
-                        </p:par>
-                      </p:childTnLst>
-                    </p:cTn>
-                  </p:par>
-                </p:childTnLst>
-              </p:cTn>
-              <p:prevCondLst>
-                <p:cond evt="onPrev" delay="0">
-                  <p:tgtEl>
-                    <p:sldTgt/>
-                  </p:tgtEl>
-                </p:cond>
-              </p:prevCondLst>
-              <p:nextCondLst>
-                <p:cond evt="onNext" delay="0">
-                  <p:tgtEl>
-                    <p:sldTgt/>
-                  </p:tgtEl>
-                </p:cond>
-              </p:nextCondLst>
-            </p:seq>
-          </p:childTnLst>
-        </p:cTn>
-      </p:par>
-    </p:tnLst>
-    <p:bldLst>
-      <p:bldP spid="12" grpId="0" animBg="1"/>
-    </p:bldLst>
-  </p:timing>
-</p:sld>
-</file>
-
-<file path=ppt/slides/slide2.xml><?xml version="1.0" encoding="utf-8"?>
-<p:sld xmlns:a="http://schemas.openxmlformats.org/drawingml/2006/main" xmlns:r="http://schemas.openxmlformats.org/officeDocument/2006/relationships" xmlns:p="http://schemas.openxmlformats.org/presentationml/2006/main">
-  <p:cSld>
-    <p:spTree>
-      <p:nvGrpSpPr>
-        <p:cNvPr id="1" name=""/>
-        <p:cNvGrpSpPr/>
-        <p:nvPr/>
-      </p:nvGrpSpPr>
-      <p:grpSpPr>
-        <a:xfrm>
-          <a:off x="0" y="0"/>
-          <a:ext cx="0" cy="0"/>
-          <a:chOff x="0" y="0"/>
-          <a:chExt cx="0" cy="0"/>
-        </a:xfrm>
-      </p:grpSpPr>
-      <p:sp>
-        <p:nvSpPr>
-          <p:cNvPr id="2" name="Title 1"/>
-          <p:cNvSpPr>
-            <a:spLocks noGrp="1"/>
-          </p:cNvSpPr>
-          <p:nvPr>
-            <p:ph type="title"/>
-          </p:nvPr>
-        </p:nvSpPr>
-        <p:spPr/>
-        <p:txBody>
-          <a:bodyPr/>
-          <a:lstStyle/>
-          <a:p>
-            <a:r>
-              <a:rPr lang="en-US" dirty="0" smtClean="0"/>
-              <a:t>Great MSPress Books </a:t>
-            </a:r>
-            <a:endParaRPr lang="en-US" dirty="0"/>
-          </a:p>
-        </p:txBody>
-      </p:sp>
-      <p:sp>
-        <p:nvSpPr>
-          <p:cNvPr id="5" name="Text Placeholder 4"/>
-          <p:cNvSpPr>
-            <a:spLocks noGrp="1"/>
-          </p:cNvSpPr>
-          <p:nvPr>
-            <p:ph type="body" sz="quarter" idx="10"/>
-          </p:nvPr>
-        </p:nvSpPr>
-        <p:spPr>
-          <a:xfrm>
-            <a:off x="132079" y="1005840"/>
-            <a:ext cx="8425543" cy="3795486"/>
-          </a:xfrm>
-        </p:spPr>
-        <p:txBody>
-          <a:bodyPr/>
-          <a:lstStyle/>
-          <a:p>
-            <a:r>
-              <a:rPr lang="en-US" dirty="0"/>
-              <a:t>Introducing Windows® 8: An Overview for IT </a:t>
-            </a:r>
-            <a:r>
-              <a:rPr lang="en-US" dirty="0" smtClean="0"/>
-              <a:t>Professionals</a:t>
-            </a:r>
-          </a:p>
-          <a:p>
-            <a:pPr lvl="1"/>
-            <a:r>
-              <a:rPr lang="en-US" dirty="0"/>
-              <a:t>http://</a:t>
-            </a:r>
-            <a:r>
-              <a:rPr lang="en-US" dirty="0" smtClean="0"/>
-              <a:t>aka.ms/Win8Intro_ITPro</a:t>
-            </a:r>
-          </a:p>
-          <a:p>
-            <a:r>
-              <a:rPr lang="en-US" dirty="0"/>
-              <a:t>Training Guide: Installing and Configuring Windows Server® </a:t>
-            </a:r>
-            <a:r>
-              <a:rPr lang="en-US" dirty="0" smtClean="0"/>
-              <a:t>2012</a:t>
-            </a:r>
-          </a:p>
-          <a:p>
-            <a:pPr lvl="1"/>
-            <a:r>
-              <a:rPr lang="en-US" dirty="0" smtClean="0"/>
-              <a:t>http</a:t>
-            </a:r>
-            <a:r>
-              <a:rPr lang="en-US" dirty="0"/>
-              <a:t>://</a:t>
-            </a:r>
-            <a:r>
-              <a:rPr lang="en-US" dirty="0" smtClean="0"/>
-              <a:t>aka.ms/InstConf-WinSv2012 </a:t>
-            </a:r>
-            <a:endParaRPr lang="en-US" dirty="0"/>
-          </a:p>
-        </p:txBody>
-      </p:sp>
-      <p:pic>
-        <p:nvPicPr>
-          <p:cNvPr id="7" name="Picture 6"/>
-          <p:cNvPicPr>
-            <a:picLocks noChangeAspect="1"/>
-          </p:cNvPicPr>
-          <p:nvPr/>
-        </p:nvPicPr>
-        <p:blipFill>
-          <a:blip r:embed="rId2"/>
-          <a:stretch>
-            <a:fillRect/>
-          </a:stretch>
-        </p:blipFill>
-        <p:spPr>
-          <a:xfrm rot="953664">
-            <a:off x="7807938" y="1689482"/>
-            <a:ext cx="1164110" cy="1418247"/>
-          </a:xfrm>
-          <a:prstGeom prst="rect">
-            <a:avLst/>
-          </a:prstGeom>
-          <a:ln w="127000" cap="sq">
-            <a:solidFill>
-              <a:srgbClr val="000000"/>
-            </a:solidFill>
-            <a:miter lim="800000"/>
-          </a:ln>
-          <a:effectLst>
-            <a:outerShdw blurRad="57150" dist="50800" dir="2700000" algn="tl" rotWithShape="0">
-              <a:srgbClr val="000000">
-                <a:alpha val="40000"/>
-              </a:srgbClr>
-            </a:outerShdw>
-          </a:effectLst>
-        </p:spPr>
-      </p:pic>
-      <p:pic>
-        <p:nvPicPr>
-          <p:cNvPr id="6" name="Picture 5"/>
-          <p:cNvPicPr>
-            <a:picLocks noChangeAspect="1"/>
-          </p:cNvPicPr>
-          <p:nvPr/>
-        </p:nvPicPr>
-        <p:blipFill>
-          <a:blip r:embed="rId3"/>
-          <a:stretch>
-            <a:fillRect/>
-          </a:stretch>
-        </p:blipFill>
-        <p:spPr>
-          <a:xfrm rot="20706120">
-            <a:off x="6287108" y="2441709"/>
-            <a:ext cx="1213975" cy="1509038"/>
-          </a:xfrm>
-          <a:prstGeom prst="roundRect">
-            <a:avLst>
-              <a:gd name="adj" fmla="val 8594"/>
-            </a:avLst>
-          </a:prstGeom>
-          <a:solidFill>
-            <a:srgbClr val="FFFFFF">
-              <a:shade val="85000"/>
-            </a:srgbClr>
-          </a:solidFill>
-          <a:ln>
-            <a:noFill/>
-          </a:ln>
-          <a:effectLst>
-            <a:reflection blurRad="12700" stA="38000" endPos="28000" dist="5000" dir="5400000" sy="-100000" algn="bl" rotWithShape="0"/>
-          </a:effectLst>
-        </p:spPr>
-      </p:pic>
-    </p:spTree>
-    <p:extLst>
-      <p:ext uri="{BB962C8B-B14F-4D97-AF65-F5344CB8AC3E}">
-        <p14:creationId xmlns:p14="http://schemas.microsoft.com/office/powerpoint/2010/main" val="1209081503"/>
+        <p14:creationId xmlns:p14="http://schemas.microsoft.com/office/powerpoint/2010/main" val="316074396"/>
       </p:ext>
     </p:extLst>
   </p:cSld>
@@ -3584,17 +3877,17 @@
       </p:grpSpPr>
       <p:pic>
         <p:nvPicPr>
-          <p:cNvPr id="5" name="Picture 4"/>
+          <p:cNvPr id="11" name="Picture 10"/>
           <p:cNvPicPr>
             <a:picLocks noChangeAspect="1"/>
           </p:cNvPicPr>
           <p:nvPr/>
         </p:nvPicPr>
         <p:blipFill>
-          <a:blip r:embed="rId2">
+          <a:blip r:embed="rId3" cstate="email">
             <a:extLst>
               <a:ext uri="{28A0092B-C50C-407E-A947-70E740481C1C}">
-                <a14:useLocalDpi xmlns:a14="http://schemas.microsoft.com/office/drawing/2010/main" val="0"/>
+                <a14:useLocalDpi xmlns:a14="http://schemas.microsoft.com/office/drawing/2010/main"/>
               </a:ext>
             </a:extLst>
           </a:blip>
@@ -3602,10 +3895,10 @@
             <a:fillRect/>
           </a:stretch>
         </p:blipFill>
-        <p:spPr>
+        <p:spPr bwMode="invGray">
           <a:xfrm>
-            <a:off x="0" y="-632878"/>
-            <a:ext cx="9144000" cy="5140689"/>
+            <a:off x="7575946" y="4646798"/>
+            <a:ext cx="1219199" cy="261207"/>
           </a:xfrm>
           <a:prstGeom prst="rect">
             <a:avLst/>
@@ -3614,60 +3907,193 @@
       </p:pic>
       <p:sp>
         <p:nvSpPr>
-          <p:cNvPr id="7" name="Rectangle 6"/>
-          <p:cNvSpPr/>
-          <p:nvPr/>
+          <p:cNvPr id="3" name="Title 2"/>
+          <p:cNvSpPr>
+            <a:spLocks noGrp="1"/>
+          </p:cNvSpPr>
+          <p:nvPr>
+            <p:ph type="title"/>
+          </p:nvPr>
+        </p:nvSpPr>
+        <p:spPr/>
+        <p:txBody>
+          <a:bodyPr/>
+          <a:lstStyle/>
+          <a:p>
+            <a:r>
+              <a:rPr lang="en-US" dirty="0" smtClean="0"/>
+              <a:t>Agenda  </a:t>
+            </a:r>
+            <a:endParaRPr lang="en-US" dirty="0"/>
+          </a:p>
+        </p:txBody>
+      </p:sp>
+      <p:sp>
+        <p:nvSpPr>
+          <p:cNvPr id="4" name="Text Placeholder 3"/>
+          <p:cNvSpPr>
+            <a:spLocks noGrp="1"/>
+          </p:cNvSpPr>
+          <p:nvPr>
+            <p:ph type="body" sz="quarter" idx="10"/>
+          </p:nvPr>
         </p:nvSpPr>
         <p:spPr>
           <a:xfrm>
-            <a:off x="0" y="4507811"/>
-            <a:ext cx="9144000" cy="635689"/>
+            <a:off x="332531" y="1067546"/>
+            <a:ext cx="8811469" cy="3579252"/>
           </a:xfrm>
-          <a:prstGeom prst="rect">
-            <a:avLst/>
-          </a:prstGeom>
-          <a:solidFill>
-            <a:schemeClr val="bg1">
-              <a:lumMod val="85000"/>
-            </a:schemeClr>
-          </a:solidFill>
-          <a:ln>
-            <a:noFill/>
-          </a:ln>
         </p:spPr>
-        <p:style>
-          <a:lnRef idx="1">
-            <a:schemeClr val="accent1"/>
-          </a:lnRef>
-          <a:fillRef idx="3">
-            <a:schemeClr val="accent1"/>
-          </a:fillRef>
-          <a:effectRef idx="2">
-            <a:schemeClr val="accent1"/>
-          </a:effectRef>
-          <a:fontRef idx="minor">
-            <a:schemeClr val="lt1"/>
-          </a:fontRef>
-        </p:style>
         <p:txBody>
-          <a:bodyPr rtlCol="0" anchor="ctr"/>
+          <a:bodyPr>
+            <a:normAutofit lnSpcReduction="10000"/>
+          </a:bodyPr>
           <a:lstStyle/>
           <a:p>
-            <a:pPr algn="ctr"/>
-            <a:endParaRPr lang="en-US"/>
+            <a:pPr marL="0" indent="0">
+              <a:buNone/>
+            </a:pPr>
+            <a:r>
+              <a:rPr lang="en-GB" sz="1600" dirty="0" smtClean="0"/>
+              <a:t>9:00-10:00</a:t>
+            </a:r>
+            <a:r>
+              <a:rPr lang="en-GB" sz="1600" dirty="0" smtClean="0"/>
+              <a:t>	| </a:t>
+            </a:r>
+            <a:r>
+              <a:rPr lang="en-GB" sz="1600" dirty="0"/>
+              <a:t>01 </a:t>
+            </a:r>
+            <a:r>
+              <a:rPr lang="en-GB" sz="1600" dirty="0" smtClean="0"/>
+              <a:t>|	</a:t>
+            </a:r>
+            <a:r>
+              <a:rPr lang="en-US" sz="1600" dirty="0" smtClean="0"/>
+              <a:t>Designing for Mobile</a:t>
+            </a:r>
+            <a:endParaRPr lang="en-US" sz="1600" dirty="0" smtClean="0"/>
+          </a:p>
+          <a:p>
+            <a:pPr marL="0" indent="0">
+              <a:buNone/>
+            </a:pPr>
+            <a:r>
+              <a:rPr lang="en-GB" sz="1600" dirty="0" smtClean="0"/>
+              <a:t>10:00-11:00	| </a:t>
+            </a:r>
+            <a:r>
+              <a:rPr lang="en-GB" sz="1600" dirty="0"/>
+              <a:t>02 </a:t>
+            </a:r>
+            <a:r>
+              <a:rPr lang="en-GB" sz="1600" dirty="0" smtClean="0"/>
+              <a:t>|	</a:t>
+            </a:r>
+            <a:r>
+              <a:rPr lang="en-US" sz="1600" dirty="0" smtClean="0"/>
+              <a:t>Mobile UI</a:t>
+            </a:r>
+            <a:endParaRPr lang="en-US" sz="1600" dirty="0" smtClean="0"/>
+          </a:p>
+          <a:p>
+            <a:pPr marL="0" indent="0">
+              <a:buNone/>
+            </a:pPr>
+            <a:r>
+              <a:rPr lang="en-US" sz="1600" dirty="0" smtClean="0"/>
+              <a:t>11:00-12:00	| 03 | </a:t>
+            </a:r>
+            <a:r>
+              <a:rPr lang="en-US" sz="1600" dirty="0" smtClean="0"/>
+              <a:t>Integrating Touch</a:t>
+            </a:r>
+            <a:endParaRPr lang="en-US" sz="1600" dirty="0" smtClean="0"/>
+          </a:p>
+          <a:p>
+            <a:pPr marL="0" indent="0">
+              <a:buNone/>
+            </a:pPr>
+            <a:r>
+              <a:rPr lang="en-US" sz="1600" dirty="0" smtClean="0"/>
+              <a:t>12:00-1:00	|      </a:t>
+            </a:r>
+            <a:r>
+              <a:rPr lang="en-US" sz="1600" dirty="0" smtClean="0"/>
+              <a:t>| Meal break</a:t>
+            </a:r>
+          </a:p>
+          <a:p>
+            <a:pPr marL="0" indent="0">
+              <a:buNone/>
+            </a:pPr>
+            <a:r>
+              <a:rPr lang="en-US" sz="1600" dirty="0" smtClean="0"/>
+              <a:t>1:00-2:00		| 04 | </a:t>
+            </a:r>
+            <a:r>
+              <a:rPr lang="en-US" sz="1600" dirty="0" smtClean="0"/>
+              <a:t>Setting Up the Server</a:t>
+            </a:r>
+            <a:endParaRPr lang="en-US" sz="1600" dirty="0" smtClean="0"/>
+          </a:p>
+          <a:p>
+            <a:pPr marL="0" indent="0">
+              <a:buNone/>
+            </a:pPr>
+            <a:r>
+              <a:rPr lang="en-US" sz="1600" dirty="0" smtClean="0"/>
+              <a:t>2:00-3:00		| 05 | </a:t>
+            </a:r>
+            <a:r>
+              <a:rPr lang="en-US" sz="1600" dirty="0" smtClean="0"/>
+              <a:t>The Mobile Client</a:t>
+            </a:r>
+            <a:endParaRPr lang="en-US" sz="1600" dirty="0" smtClean="0"/>
+          </a:p>
+          <a:p>
+            <a:pPr marL="0" indent="0">
+              <a:buNone/>
+            </a:pPr>
+            <a:r>
+              <a:rPr lang="en-US" sz="1600" dirty="0" smtClean="0"/>
+              <a:t>3:00-4:00		| 06 | </a:t>
+            </a:r>
+            <a:r>
+              <a:rPr lang="en-US" sz="1600" dirty="0" smtClean="0"/>
+              <a:t>Offline Data</a:t>
+            </a:r>
+          </a:p>
+          <a:p>
+            <a:pPr marL="0" indent="0">
+              <a:buNone/>
+            </a:pPr>
+            <a:r>
+              <a:rPr lang="en-US" sz="1600" dirty="0" smtClean="0"/>
+              <a:t>4:00-5:00		| 07 | Publishing to Azure	</a:t>
+            </a:r>
+            <a:endParaRPr lang="en-US" sz="1600" dirty="0" smtClean="0"/>
           </a:p>
         </p:txBody>
       </p:sp>
     </p:spTree>
     <p:extLst>
       <p:ext uri="{BB962C8B-B14F-4D97-AF65-F5344CB8AC3E}">
-        <p14:creationId xmlns:p14="http://schemas.microsoft.com/office/powerpoint/2010/main" val="1164810242"/>
+        <p14:creationId xmlns:p14="http://schemas.microsoft.com/office/powerpoint/2010/main" val="1181311803"/>
       </p:ext>
     </p:extLst>
   </p:cSld>
   <p:clrMapOvr>
     <a:masterClrMapping/>
   </p:clrMapOvr>
+  <p:timing>
+    <p:tnLst>
+      <p:par>
+        <p:cTn id="1" dur="indefinite" restart="never" nodeType="tmRoot"/>
+      </p:par>
+    </p:tnLst>
+  </p:timing>
 </p:sld>
 </file>
 
@@ -3690,7 +4116,177 @@
       </p:grpSpPr>
       <p:sp>
         <p:nvSpPr>
-          <p:cNvPr id="5" name="Title 4"/>
+          <p:cNvPr id="11" name="Rectangle 10"/>
+          <p:cNvSpPr/>
+          <p:nvPr/>
+        </p:nvSpPr>
+        <p:spPr bwMode="auto">
+          <a:xfrm>
+            <a:off x="3188086" y="1477311"/>
+            <a:ext cx="5400000" cy="2520000"/>
+          </a:xfrm>
+          <a:prstGeom prst="rect">
+            <a:avLst/>
+          </a:prstGeom>
+          <a:solidFill>
+            <a:schemeClr val="bg1"/>
+          </a:solidFill>
+          <a:ln>
+            <a:noFill/>
+            <a:headEnd type="none" w="med" len="med"/>
+            <a:tailEnd type="none" w="med" len="med"/>
+          </a:ln>
+          <a:effectLst/>
+        </p:spPr>
+        <p:style>
+          <a:lnRef idx="1">
+            <a:schemeClr val="accent2"/>
+          </a:lnRef>
+          <a:fillRef idx="3">
+            <a:schemeClr val="accent2"/>
+          </a:fillRef>
+          <a:effectRef idx="2">
+            <a:schemeClr val="accent2"/>
+          </a:effectRef>
+          <a:fontRef idx="minor">
+            <a:schemeClr val="lt1"/>
+          </a:fontRef>
+        </p:style>
+        <p:txBody>
+          <a:bodyPr rot="0" spcFirstLastPara="0" vertOverflow="overflow" horzOverflow="overflow" vert="horz" wrap="square" lIns="68580" tIns="68580" rIns="34290" bIns="34290" numCol="1" spcCol="0" rtlCol="0" fromWordArt="0" anchor="t" anchorCtr="0" forceAA="0" compatLnSpc="1">
+            <a:prstTxWarp prst="textNoShape">
+              <a:avLst/>
+            </a:prstTxWarp>
+            <a:noAutofit/>
+          </a:bodyPr>
+          <a:lstStyle/>
+          <a:p>
+            <a:r>
+              <a:rPr lang="en-US" sz="3000" b="1" dirty="0" smtClean="0">
+                <a:solidFill>
+                  <a:srgbClr val="002060"/>
+                </a:solidFill>
+                <a:latin typeface="Segoe UI Light" panose="020B0502040204020203" pitchFamily="34" charset="0"/>
+                <a:cs typeface="Segoe UI Light" panose="020B0502040204020203" pitchFamily="34" charset="0"/>
+              </a:rPr>
+              <a:t>Sanjay </a:t>
+            </a:r>
+            <a:r>
+              <a:rPr lang="en-US" sz="3000" b="1" dirty="0" err="1" smtClean="0">
+                <a:solidFill>
+                  <a:srgbClr val="002060"/>
+                </a:solidFill>
+                <a:latin typeface="Segoe UI Light" panose="020B0502040204020203" pitchFamily="34" charset="0"/>
+                <a:cs typeface="Segoe UI Light" panose="020B0502040204020203" pitchFamily="34" charset="0"/>
+              </a:rPr>
+              <a:t>Soni</a:t>
+            </a:r>
+            <a:endParaRPr lang="en-US" sz="3000" dirty="0" smtClean="0">
+              <a:solidFill>
+                <a:srgbClr val="002060"/>
+              </a:solidFill>
+              <a:latin typeface="Segoe UI Light" panose="020B0502040204020203" pitchFamily="34" charset="0"/>
+              <a:cs typeface="Segoe UI Light" panose="020B0502040204020203" pitchFamily="34" charset="0"/>
+            </a:endParaRPr>
+          </a:p>
+          <a:p>
+            <a:r>
+              <a:rPr lang="en-US" sz="1200" dirty="0" smtClean="0">
+                <a:solidFill>
+                  <a:srgbClr val="002060"/>
+                </a:solidFill>
+                <a:latin typeface="Segoe UI Light" panose="020B0502040204020203" pitchFamily="34" charset="0"/>
+                <a:cs typeface="Segoe UI Light" panose="020B0502040204020203" pitchFamily="34" charset="0"/>
+              </a:rPr>
+              <a:t>Microsoft Senior Product manager</a:t>
+            </a:r>
+            <a:endParaRPr lang="en-US" sz="1200" dirty="0">
+              <a:solidFill>
+                <a:srgbClr val="002060"/>
+              </a:solidFill>
+              <a:latin typeface="Segoe UI Light" panose="020B0502040204020203" pitchFamily="34" charset="0"/>
+              <a:cs typeface="Segoe UI Light" panose="020B0502040204020203" pitchFamily="34" charset="0"/>
+            </a:endParaRPr>
+          </a:p>
+          <a:p>
+            <a:endParaRPr lang="en-US" sz="1200" dirty="0" smtClean="0">
+              <a:solidFill>
+                <a:srgbClr val="002060"/>
+              </a:solidFill>
+              <a:latin typeface="Segoe UI Light" panose="020B0502040204020203" pitchFamily="34" charset="0"/>
+              <a:cs typeface="Segoe UI Light" panose="020B0502040204020203" pitchFamily="34" charset="0"/>
+            </a:endParaRPr>
+          </a:p>
+          <a:p>
+            <a:r>
+              <a:rPr lang="en-US" sz="1200" dirty="0" smtClean="0">
+                <a:solidFill>
+                  <a:srgbClr val="002060"/>
+                </a:solidFill>
+                <a:latin typeface="Segoe UI Light" panose="020B0502040204020203" pitchFamily="34" charset="0"/>
+                <a:cs typeface="Segoe UI Light" panose="020B0502040204020203" pitchFamily="34" charset="0"/>
+              </a:rPr>
+              <a:t>      @SQLBI101</a:t>
+            </a:r>
+          </a:p>
+          <a:p>
+            <a:endParaRPr lang="en-US" sz="1200" dirty="0">
+              <a:solidFill>
+                <a:srgbClr val="002060"/>
+              </a:solidFill>
+              <a:latin typeface="Segoe UI Light" panose="020B0502040204020203" pitchFamily="34" charset="0"/>
+              <a:cs typeface="Segoe UI Light" panose="020B0502040204020203" pitchFamily="34" charset="0"/>
+            </a:endParaRPr>
+          </a:p>
+          <a:p>
+            <a:pPr>
+              <a:spcAft>
+                <a:spcPts val="450"/>
+              </a:spcAft>
+            </a:pPr>
+            <a:r>
+              <a:rPr lang="en-US" sz="1200" dirty="0">
+                <a:solidFill>
+                  <a:srgbClr val="002060"/>
+                </a:solidFill>
+                <a:latin typeface="Segoe UI Light" panose="020B0502040204020203" pitchFamily="34" charset="0"/>
+                <a:cs typeface="Segoe UI Light" panose="020B0502040204020203" pitchFamily="34" charset="0"/>
+              </a:rPr>
+              <a:t>Sanjay </a:t>
+            </a:r>
+            <a:r>
+              <a:rPr lang="en-US" sz="1200" dirty="0" err="1">
+                <a:solidFill>
+                  <a:srgbClr val="002060"/>
+                </a:solidFill>
+                <a:latin typeface="Segoe UI Light" panose="020B0502040204020203" pitchFamily="34" charset="0"/>
+                <a:cs typeface="Segoe UI Light" panose="020B0502040204020203" pitchFamily="34" charset="0"/>
+              </a:rPr>
+              <a:t>Soni</a:t>
+            </a:r>
+            <a:r>
+              <a:rPr lang="en-US" sz="1200" dirty="0">
+                <a:solidFill>
+                  <a:srgbClr val="002060"/>
+                </a:solidFill>
+                <a:latin typeface="Segoe UI Light" panose="020B0502040204020203" pitchFamily="34" charset="0"/>
+                <a:cs typeface="Segoe UI Light" panose="020B0502040204020203" pitchFamily="34" charset="0"/>
+              </a:rPr>
+              <a:t> is a Senior Technical Product Marketing Manager on the SQL Server Business Intelligence (BI) and Data Warehousing Marketing team at Microsoft. His previous Microsoft roles include Business Intelligence Evangelist, responsible for enabling self-service BI to more than 40,000 users at Microsoft. Sanjay is known for his passion and enthusiasm and for driving structure and delivering results for BI and data warehouse customers for 15 years. </a:t>
+            </a:r>
+            <a:endParaRPr lang="en-US" sz="1200" spc="-38" dirty="0">
+              <a:solidFill>
+                <a:srgbClr val="002060"/>
+              </a:solidFill>
+              <a:latin typeface="Segoe UI Light" panose="020B0502040204020203" pitchFamily="34" charset="0"/>
+              <a:cs typeface="Segoe UI Light" panose="020B0502040204020203" pitchFamily="34" charset="0"/>
+            </a:endParaRPr>
+          </a:p>
+        </p:txBody>
+      </p:sp>
+      <p:sp>
+        <p:nvSpPr>
+          <p:cNvPr id="2" name="Title 1"/>
           <p:cNvSpPr>
             <a:spLocks noGrp="1"/>
           </p:cNvSpPr>
@@ -3698,62 +4294,341 @@
             <p:ph type="title"/>
           </p:nvPr>
         </p:nvSpPr>
-        <p:spPr/>
+        <p:spPr>
+          <a:xfrm>
+            <a:off x="364331" y="273844"/>
+            <a:ext cx="7886700" cy="994172"/>
+          </a:xfrm>
+        </p:spPr>
         <p:txBody>
           <a:bodyPr/>
           <a:lstStyle/>
           <a:p>
-            <a:r>
-              <a:rPr lang="en-US" dirty="0" smtClean="0"/>
-              <a:t>Suggested Resources</a:t>
-            </a:r>
-            <a:endParaRPr lang="en-US" dirty="0"/>
+            <a:pPr algn="l"/>
+            <a:r>
+              <a:rPr lang="en-US" dirty="0" smtClean="0">
+                <a:solidFill>
+                  <a:srgbClr val="00B0F0"/>
+                </a:solidFill>
+                <a:latin typeface="Segoe UI Light" panose="020B0502040204020203" pitchFamily="34" charset="0"/>
+                <a:cs typeface="Segoe UI Light" panose="020B0502040204020203" pitchFamily="34" charset="0"/>
+              </a:rPr>
+              <a:t>Get to know today’s presenters</a:t>
+            </a:r>
+            <a:endParaRPr lang="en-US" dirty="0">
+              <a:solidFill>
+                <a:srgbClr val="00B0F0"/>
+              </a:solidFill>
+              <a:latin typeface="Segoe UI Light" panose="020B0502040204020203" pitchFamily="34" charset="0"/>
+              <a:cs typeface="Segoe UI Light" panose="020B0502040204020203" pitchFamily="34" charset="0"/>
+            </a:endParaRPr>
           </a:p>
         </p:txBody>
       </p:sp>
+      <p:pic>
+        <p:nvPicPr>
+          <p:cNvPr id="5" name="Picture 4"/>
+          <p:cNvPicPr>
+            <a:picLocks noChangeAspect="1"/>
+          </p:cNvPicPr>
+          <p:nvPr/>
+        </p:nvPicPr>
+        <p:blipFill>
+          <a:blip r:embed="rId3">
+            <a:extLst>
+              <a:ext uri="{28A0092B-C50C-407E-A947-70E740481C1C}">
+                <a14:useLocalDpi xmlns:a14="http://schemas.microsoft.com/office/drawing/2010/main" val="0"/>
+              </a:ext>
+            </a:extLst>
+          </a:blip>
+          <a:stretch>
+            <a:fillRect/>
+          </a:stretch>
+        </p:blipFill>
+        <p:spPr>
+          <a:xfrm>
+            <a:off x="3865892" y="2225340"/>
+            <a:ext cx="190476" cy="190476"/>
+          </a:xfrm>
+          <a:prstGeom prst="rect">
+            <a:avLst/>
+          </a:prstGeom>
+        </p:spPr>
+      </p:pic>
+      <p:pic>
+        <p:nvPicPr>
+          <p:cNvPr id="8" name="Picture 7"/>
+          <p:cNvPicPr>
+            <a:picLocks noChangeAspect="1"/>
+          </p:cNvPicPr>
+          <p:nvPr/>
+        </p:nvPicPr>
+        <p:blipFill>
+          <a:blip r:embed="rId3">
+            <a:extLst>
+              <a:ext uri="{28A0092B-C50C-407E-A947-70E740481C1C}">
+                <a14:useLocalDpi xmlns:a14="http://schemas.microsoft.com/office/drawing/2010/main" val="0"/>
+              </a:ext>
+            </a:extLst>
+          </a:blip>
+          <a:stretch>
+            <a:fillRect/>
+          </a:stretch>
+        </p:blipFill>
+        <p:spPr>
+          <a:xfrm>
+            <a:off x="3676535" y="2371608"/>
+            <a:ext cx="190476" cy="190476"/>
+          </a:xfrm>
+          <a:prstGeom prst="rect">
+            <a:avLst/>
+          </a:prstGeom>
+        </p:spPr>
+      </p:pic>
       <p:sp>
         <p:nvSpPr>
-          <p:cNvPr id="3" name="Text Placeholder 2"/>
-          <p:cNvSpPr>
-            <a:spLocks noGrp="1"/>
-          </p:cNvSpPr>
-          <p:nvPr>
-            <p:ph type="body" sz="quarter" idx="10"/>
-          </p:nvPr>
+          <p:cNvPr id="7" name="Rectangle 6"/>
+          <p:cNvSpPr/>
+          <p:nvPr/>
         </p:nvSpPr>
-        <p:spPr/>
+        <p:spPr bwMode="auto">
+          <a:xfrm>
+            <a:off x="3179860" y="1477310"/>
+            <a:ext cx="5400000" cy="2475999"/>
+          </a:xfrm>
+          <a:prstGeom prst="rect">
+            <a:avLst/>
+          </a:prstGeom>
+          <a:solidFill>
+            <a:schemeClr val="bg1"/>
+          </a:solidFill>
+          <a:ln>
+            <a:noFill/>
+            <a:headEnd type="none" w="med" len="med"/>
+            <a:tailEnd type="none" w="med" len="med"/>
+          </a:ln>
+          <a:effectLst/>
+        </p:spPr>
+        <p:style>
+          <a:lnRef idx="1">
+            <a:schemeClr val="accent2"/>
+          </a:lnRef>
+          <a:fillRef idx="3">
+            <a:schemeClr val="accent2"/>
+          </a:fillRef>
+          <a:effectRef idx="2">
+            <a:schemeClr val="accent2"/>
+          </a:effectRef>
+          <a:fontRef idx="minor">
+            <a:schemeClr val="lt1"/>
+          </a:fontRef>
+        </p:style>
         <p:txBody>
-          <a:bodyPr/>
+          <a:bodyPr rot="0" spcFirstLastPara="0" vertOverflow="overflow" horzOverflow="overflow" vert="horz" wrap="square" lIns="68580" tIns="68580" rIns="34290" bIns="34290" numCol="1" spcCol="0" rtlCol="0" fromWordArt="0" anchor="t" anchorCtr="0" forceAA="0" compatLnSpc="1">
+            <a:prstTxWarp prst="textNoShape">
+              <a:avLst/>
+            </a:prstTxWarp>
+            <a:noAutofit/>
+          </a:bodyPr>
           <a:lstStyle/>
           <a:p>
             <a:r>
-              <a:rPr lang="en-US" dirty="0"/>
-              <a:t>Windows 8.1 UX Design Jump </a:t>
-            </a:r>
-            <a:r>
-              <a:rPr lang="en-US" dirty="0" smtClean="0"/>
-              <a:t>Start</a:t>
-            </a:r>
-          </a:p>
-          <a:p>
-            <a:r>
-              <a:rPr lang="en-US" dirty="0"/>
-              <a:t>HTML5 &amp; CSS3 Fundamentals: Development for Absolute Beginners</a:t>
-            </a:r>
-            <a:endParaRPr lang="en-US" dirty="0"/>
+              <a:rPr lang="en-US" sz="3000" b="1" dirty="0" smtClean="0">
+                <a:solidFill>
+                  <a:srgbClr val="002060"/>
+                </a:solidFill>
+                <a:latin typeface="Segoe UI Light" panose="020B0502040204020203" pitchFamily="34" charset="0"/>
+                <a:cs typeface="Segoe UI Light" panose="020B0502040204020203" pitchFamily="34" charset="0"/>
+              </a:rPr>
+              <a:t>Jeremy Foster</a:t>
+            </a:r>
+            <a:endParaRPr lang="en-US" sz="3000" b="1" dirty="0" smtClean="0">
+              <a:solidFill>
+                <a:srgbClr val="002060"/>
+              </a:solidFill>
+              <a:latin typeface="Segoe UI Light" panose="020B0502040204020203" pitchFamily="34" charset="0"/>
+              <a:cs typeface="Segoe UI Light" panose="020B0502040204020203" pitchFamily="34" charset="0"/>
+            </a:endParaRPr>
+          </a:p>
+          <a:p>
+            <a:r>
+              <a:rPr lang="en-US" sz="1200" dirty="0" smtClean="0">
+                <a:solidFill>
+                  <a:srgbClr val="002060"/>
+                </a:solidFill>
+                <a:latin typeface="Segoe UI Light" panose="020B0502040204020203" pitchFamily="34" charset="0"/>
+                <a:cs typeface="Segoe UI Light" panose="020B0502040204020203" pitchFamily="34" charset="0"/>
+              </a:rPr>
+              <a:t>Microsoft Developer Evangelist</a:t>
+            </a:r>
+            <a:endParaRPr lang="en-US" sz="1200" dirty="0" smtClean="0">
+              <a:solidFill>
+                <a:srgbClr val="002060"/>
+              </a:solidFill>
+              <a:latin typeface="Segoe UI Light" panose="020B0502040204020203" pitchFamily="34" charset="0"/>
+              <a:cs typeface="Segoe UI Light" panose="020B0502040204020203" pitchFamily="34" charset="0"/>
+            </a:endParaRPr>
+          </a:p>
+          <a:p>
+            <a:endParaRPr lang="en-US" sz="800" dirty="0" smtClean="0">
+              <a:solidFill>
+                <a:srgbClr val="002060"/>
+              </a:solidFill>
+              <a:latin typeface="Segoe UI Light" panose="020B0502040204020203" pitchFamily="34" charset="0"/>
+              <a:cs typeface="Segoe UI Light" panose="020B0502040204020203" pitchFamily="34" charset="0"/>
+            </a:endParaRPr>
+          </a:p>
+          <a:p>
+            <a:r>
+              <a:rPr lang="en-US" sz="1200" dirty="0">
+                <a:solidFill>
+                  <a:srgbClr val="002060"/>
+                </a:solidFill>
+                <a:latin typeface="Segoe UI Light" panose="020B0502040204020203" pitchFamily="34" charset="0"/>
+                <a:cs typeface="Segoe UI Light" panose="020B0502040204020203" pitchFamily="34" charset="0"/>
+              </a:rPr>
+              <a:t>      </a:t>
+            </a:r>
+            <a:r>
+              <a:rPr lang="en-US" sz="1200" dirty="0" smtClean="0">
+                <a:solidFill>
+                  <a:srgbClr val="002060"/>
+                </a:solidFill>
+                <a:latin typeface="Segoe UI Light" panose="020B0502040204020203" pitchFamily="34" charset="0"/>
+                <a:cs typeface="Segoe UI Light" panose="020B0502040204020203" pitchFamily="34" charset="0"/>
+              </a:rPr>
+              <a:t>@</a:t>
+            </a:r>
+            <a:r>
+              <a:rPr lang="en-US" sz="1200" dirty="0" err="1" smtClean="0">
+                <a:solidFill>
+                  <a:srgbClr val="002060"/>
+                </a:solidFill>
+                <a:latin typeface="Segoe UI Light" panose="020B0502040204020203" pitchFamily="34" charset="0"/>
+                <a:cs typeface="Segoe UI Light" panose="020B0502040204020203" pitchFamily="34" charset="0"/>
+              </a:rPr>
+              <a:t>codefoster</a:t>
+            </a:r>
+            <a:endParaRPr lang="en-US" sz="1200" dirty="0" smtClean="0">
+              <a:solidFill>
+                <a:srgbClr val="002060"/>
+              </a:solidFill>
+              <a:latin typeface="Segoe UI Light" panose="020B0502040204020203" pitchFamily="34" charset="0"/>
+              <a:cs typeface="Segoe UI Light" panose="020B0502040204020203" pitchFamily="34" charset="0"/>
+            </a:endParaRPr>
+          </a:p>
+          <a:p>
+            <a:endParaRPr lang="en-US" sz="1200" dirty="0" smtClean="0">
+              <a:solidFill>
+                <a:srgbClr val="002060"/>
+              </a:solidFill>
+              <a:latin typeface="Segoe UI Light" panose="020B0502040204020203" pitchFamily="34" charset="0"/>
+              <a:cs typeface="Segoe UI Light" panose="020B0502040204020203" pitchFamily="34" charset="0"/>
+            </a:endParaRPr>
+          </a:p>
+          <a:p>
+            <a:r>
+              <a:rPr lang="en-US" sz="1100" dirty="0" smtClean="0">
+                <a:solidFill>
+                  <a:srgbClr val="002060"/>
+                </a:solidFill>
+                <a:latin typeface="Segoe UI Light" panose="020B0502040204020203" pitchFamily="34" charset="0"/>
+                <a:cs typeface="Segoe UI Light" panose="020B0502040204020203" pitchFamily="34" charset="0"/>
+              </a:rPr>
+              <a:t>Jeremy Foster was educated in computer engineering and mathematics, and he gathered disparate industry experience in education, aerospace manufacturing, and insurance. With just enough and not nearly enough education and experience, he finally joined Microsoft with the goal of informing and inspiring other software developers to write code and write it right. Find Jeremy online at codefoster.com.</a:t>
+            </a:r>
+            <a:endParaRPr lang="en-GB" sz="1100" dirty="0">
+              <a:solidFill>
+                <a:srgbClr val="002060"/>
+              </a:solidFill>
+              <a:latin typeface="Segoe UI Light" panose="020B0502040204020203" pitchFamily="34" charset="0"/>
+              <a:cs typeface="Segoe UI Light" panose="020B0502040204020203" pitchFamily="34" charset="0"/>
+            </a:endParaRPr>
           </a:p>
         </p:txBody>
       </p:sp>
+      <p:pic>
+        <p:nvPicPr>
+          <p:cNvPr id="10" name="Picture 9"/>
+          <p:cNvPicPr>
+            <a:picLocks noChangeAspect="1"/>
+          </p:cNvPicPr>
+          <p:nvPr/>
+        </p:nvPicPr>
+        <p:blipFill>
+          <a:blip r:embed="rId3">
+            <a:extLst>
+              <a:ext uri="{28A0092B-C50C-407E-A947-70E740481C1C}">
+                <a14:useLocalDpi xmlns:a14="http://schemas.microsoft.com/office/drawing/2010/main" val="0"/>
+              </a:ext>
+            </a:extLst>
+          </a:blip>
+          <a:stretch>
+            <a:fillRect/>
+          </a:stretch>
+        </p:blipFill>
+        <p:spPr>
+          <a:xfrm>
+            <a:off x="3279015" y="2350313"/>
+            <a:ext cx="190476" cy="190476"/>
+          </a:xfrm>
+          <a:prstGeom prst="rect">
+            <a:avLst/>
+          </a:prstGeom>
+        </p:spPr>
+      </p:pic>
+      <p:pic>
+        <p:nvPicPr>
+          <p:cNvPr id="4" name="Picture 3"/>
+          <p:cNvPicPr>
+            <a:picLocks noChangeAspect="1"/>
+          </p:cNvPicPr>
+          <p:nvPr/>
+        </p:nvPicPr>
+        <p:blipFill>
+          <a:blip r:embed="rId4">
+            <a:extLst>
+              <a:ext uri="{28A0092B-C50C-407E-A947-70E740481C1C}">
+                <a14:useLocalDpi xmlns:a14="http://schemas.microsoft.com/office/drawing/2010/main" val="0"/>
+              </a:ext>
+            </a:extLst>
+          </a:blip>
+          <a:stretch>
+            <a:fillRect/>
+          </a:stretch>
+        </p:blipFill>
+        <p:spPr>
+          <a:xfrm>
+            <a:off x="652183" y="1469226"/>
+            <a:ext cx="2535904" cy="2535904"/>
+          </a:xfrm>
+          <a:prstGeom prst="rect">
+            <a:avLst/>
+          </a:prstGeom>
+        </p:spPr>
+      </p:pic>
     </p:spTree>
     <p:extLst>
       <p:ext uri="{BB962C8B-B14F-4D97-AF65-F5344CB8AC3E}">
-        <p14:creationId xmlns:p14="http://schemas.microsoft.com/office/powerpoint/2010/main" val="656343395"/>
+        <p14:creationId xmlns:p14="http://schemas.microsoft.com/office/powerpoint/2010/main" val="523827243"/>
       </p:ext>
     </p:extLst>
   </p:cSld>
   <p:clrMapOvr>
     <a:masterClrMapping/>
   </p:clrMapOvr>
+  <mc:AlternateContent xmlns:mc="http://schemas.openxmlformats.org/markup-compatibility/2006" xmlns:p14="http://schemas.microsoft.com/office/powerpoint/2010/main">
+    <mc:Choice Requires="p14">
+      <p:transition spd="slow" p14:dur="1500">
+        <p14:reveal/>
+      </p:transition>
+    </mc:Choice>
+    <mc:Fallback xmlns="">
+      <p:transition spd="slow">
+        <p:fade/>
+      </p:transition>
+    </mc:Fallback>
+  </mc:AlternateContent>
   <p:timing>
     <p:tnLst>
       <p:par>
@@ -3781,16 +4656,227 @@
           <a:chExt cx="0" cy="0"/>
         </a:xfrm>
       </p:grpSpPr>
+      <p:sp>
+        <p:nvSpPr>
+          <p:cNvPr id="11" name="Rectangle 10"/>
+          <p:cNvSpPr/>
+          <p:nvPr/>
+        </p:nvSpPr>
+        <p:spPr bwMode="auto">
+          <a:xfrm>
+            <a:off x="3188086" y="1477311"/>
+            <a:ext cx="5400000" cy="2520000"/>
+          </a:xfrm>
+          <a:prstGeom prst="rect">
+            <a:avLst/>
+          </a:prstGeom>
+          <a:solidFill>
+            <a:schemeClr val="bg1"/>
+          </a:solidFill>
+          <a:ln>
+            <a:noFill/>
+            <a:headEnd type="none" w="med" len="med"/>
+            <a:tailEnd type="none" w="med" len="med"/>
+          </a:ln>
+          <a:effectLst/>
+        </p:spPr>
+        <p:style>
+          <a:lnRef idx="1">
+            <a:schemeClr val="accent2"/>
+          </a:lnRef>
+          <a:fillRef idx="3">
+            <a:schemeClr val="accent2"/>
+          </a:fillRef>
+          <a:effectRef idx="2">
+            <a:schemeClr val="accent2"/>
+          </a:effectRef>
+          <a:fontRef idx="minor">
+            <a:schemeClr val="lt1"/>
+          </a:fontRef>
+        </p:style>
+        <p:txBody>
+          <a:bodyPr rot="0" spcFirstLastPara="0" vertOverflow="overflow" horzOverflow="overflow" vert="horz" wrap="square" lIns="68580" tIns="68580" rIns="34290" bIns="34290" numCol="1" spcCol="0" rtlCol="0" fromWordArt="0" anchor="t" anchorCtr="0" forceAA="0" compatLnSpc="1">
+            <a:prstTxWarp prst="textNoShape">
+              <a:avLst/>
+            </a:prstTxWarp>
+            <a:noAutofit/>
+          </a:bodyPr>
+          <a:lstStyle/>
+          <a:p>
+            <a:r>
+              <a:rPr lang="en-US" sz="3000" b="1" dirty="0" smtClean="0">
+                <a:solidFill>
+                  <a:srgbClr val="002060"/>
+                </a:solidFill>
+                <a:latin typeface="Segoe UI Light" panose="020B0502040204020203" pitchFamily="34" charset="0"/>
+                <a:cs typeface="Segoe UI Light" panose="020B0502040204020203" pitchFamily="34" charset="0"/>
+              </a:rPr>
+              <a:t>Sanjay </a:t>
+            </a:r>
+            <a:r>
+              <a:rPr lang="en-US" sz="3000" b="1" dirty="0" err="1" smtClean="0">
+                <a:solidFill>
+                  <a:srgbClr val="002060"/>
+                </a:solidFill>
+                <a:latin typeface="Segoe UI Light" panose="020B0502040204020203" pitchFamily="34" charset="0"/>
+                <a:cs typeface="Segoe UI Light" panose="020B0502040204020203" pitchFamily="34" charset="0"/>
+              </a:rPr>
+              <a:t>Soni</a:t>
+            </a:r>
+            <a:endParaRPr lang="en-US" sz="3000" dirty="0" smtClean="0">
+              <a:solidFill>
+                <a:srgbClr val="002060"/>
+              </a:solidFill>
+              <a:latin typeface="Segoe UI Light" panose="020B0502040204020203" pitchFamily="34" charset="0"/>
+              <a:cs typeface="Segoe UI Light" panose="020B0502040204020203" pitchFamily="34" charset="0"/>
+            </a:endParaRPr>
+          </a:p>
+          <a:p>
+            <a:r>
+              <a:rPr lang="en-US" sz="1200" dirty="0" smtClean="0">
+                <a:solidFill>
+                  <a:srgbClr val="002060"/>
+                </a:solidFill>
+                <a:latin typeface="Segoe UI Light" panose="020B0502040204020203" pitchFamily="34" charset="0"/>
+                <a:cs typeface="Segoe UI Light" panose="020B0502040204020203" pitchFamily="34" charset="0"/>
+              </a:rPr>
+              <a:t>Microsoft Senior Product manager</a:t>
+            </a:r>
+            <a:endParaRPr lang="en-US" sz="1200" dirty="0">
+              <a:solidFill>
+                <a:srgbClr val="002060"/>
+              </a:solidFill>
+              <a:latin typeface="Segoe UI Light" panose="020B0502040204020203" pitchFamily="34" charset="0"/>
+              <a:cs typeface="Segoe UI Light" panose="020B0502040204020203" pitchFamily="34" charset="0"/>
+            </a:endParaRPr>
+          </a:p>
+          <a:p>
+            <a:endParaRPr lang="en-US" sz="1200" dirty="0" smtClean="0">
+              <a:solidFill>
+                <a:srgbClr val="002060"/>
+              </a:solidFill>
+              <a:latin typeface="Segoe UI Light" panose="020B0502040204020203" pitchFamily="34" charset="0"/>
+              <a:cs typeface="Segoe UI Light" panose="020B0502040204020203" pitchFamily="34" charset="0"/>
+            </a:endParaRPr>
+          </a:p>
+          <a:p>
+            <a:r>
+              <a:rPr lang="en-US" sz="1200" dirty="0" smtClean="0">
+                <a:solidFill>
+                  <a:srgbClr val="002060"/>
+                </a:solidFill>
+                <a:latin typeface="Segoe UI Light" panose="020B0502040204020203" pitchFamily="34" charset="0"/>
+                <a:cs typeface="Segoe UI Light" panose="020B0502040204020203" pitchFamily="34" charset="0"/>
+              </a:rPr>
+              <a:t>      @SQLBI101</a:t>
+            </a:r>
+          </a:p>
+          <a:p>
+            <a:endParaRPr lang="en-US" sz="1200" dirty="0">
+              <a:solidFill>
+                <a:srgbClr val="002060"/>
+              </a:solidFill>
+              <a:latin typeface="Segoe UI Light" panose="020B0502040204020203" pitchFamily="34" charset="0"/>
+              <a:cs typeface="Segoe UI Light" panose="020B0502040204020203" pitchFamily="34" charset="0"/>
+            </a:endParaRPr>
+          </a:p>
+          <a:p>
+            <a:pPr>
+              <a:spcAft>
+                <a:spcPts val="450"/>
+              </a:spcAft>
+            </a:pPr>
+            <a:r>
+              <a:rPr lang="en-US" sz="1200" dirty="0">
+                <a:solidFill>
+                  <a:srgbClr val="002060"/>
+                </a:solidFill>
+                <a:latin typeface="Segoe UI Light" panose="020B0502040204020203" pitchFamily="34" charset="0"/>
+                <a:cs typeface="Segoe UI Light" panose="020B0502040204020203" pitchFamily="34" charset="0"/>
+              </a:rPr>
+              <a:t>Sanjay </a:t>
+            </a:r>
+            <a:r>
+              <a:rPr lang="en-US" sz="1200" dirty="0" err="1">
+                <a:solidFill>
+                  <a:srgbClr val="002060"/>
+                </a:solidFill>
+                <a:latin typeface="Segoe UI Light" panose="020B0502040204020203" pitchFamily="34" charset="0"/>
+                <a:cs typeface="Segoe UI Light" panose="020B0502040204020203" pitchFamily="34" charset="0"/>
+              </a:rPr>
+              <a:t>Soni</a:t>
+            </a:r>
+            <a:r>
+              <a:rPr lang="en-US" sz="1200" dirty="0">
+                <a:solidFill>
+                  <a:srgbClr val="002060"/>
+                </a:solidFill>
+                <a:latin typeface="Segoe UI Light" panose="020B0502040204020203" pitchFamily="34" charset="0"/>
+                <a:cs typeface="Segoe UI Light" panose="020B0502040204020203" pitchFamily="34" charset="0"/>
+              </a:rPr>
+              <a:t> is a Senior Technical Product Marketing Manager on the SQL Server Business Intelligence (BI) and Data Warehousing Marketing team at Microsoft. His previous Microsoft roles include Business Intelligence Evangelist, responsible for enabling self-service BI to more than 40,000 users at Microsoft. Sanjay is known for his passion and enthusiasm and for driving structure and delivering results for BI and data warehouse customers for 15 years. </a:t>
+            </a:r>
+            <a:endParaRPr lang="en-US" sz="1200" spc="-38" dirty="0">
+              <a:solidFill>
+                <a:srgbClr val="002060"/>
+              </a:solidFill>
+              <a:latin typeface="Segoe UI Light" panose="020B0502040204020203" pitchFamily="34" charset="0"/>
+              <a:cs typeface="Segoe UI Light" panose="020B0502040204020203" pitchFamily="34" charset="0"/>
+            </a:endParaRPr>
+          </a:p>
+        </p:txBody>
+      </p:sp>
+      <p:sp>
+        <p:nvSpPr>
+          <p:cNvPr id="2" name="Title 1"/>
+          <p:cNvSpPr>
+            <a:spLocks noGrp="1"/>
+          </p:cNvSpPr>
+          <p:nvPr>
+            <p:ph type="title"/>
+          </p:nvPr>
+        </p:nvSpPr>
+        <p:spPr>
+          <a:xfrm>
+            <a:off x="364331" y="273844"/>
+            <a:ext cx="7886700" cy="994172"/>
+          </a:xfrm>
+        </p:spPr>
+        <p:txBody>
+          <a:bodyPr/>
+          <a:lstStyle/>
+          <a:p>
+            <a:pPr algn="l"/>
+            <a:r>
+              <a:rPr lang="en-US" dirty="0" smtClean="0">
+                <a:solidFill>
+                  <a:srgbClr val="00B0F0"/>
+                </a:solidFill>
+                <a:latin typeface="Segoe UI Light" panose="020B0502040204020203" pitchFamily="34" charset="0"/>
+                <a:cs typeface="Segoe UI Light" panose="020B0502040204020203" pitchFamily="34" charset="0"/>
+              </a:rPr>
+              <a:t>Get to know today’s presenters</a:t>
+            </a:r>
+            <a:endParaRPr lang="en-US" dirty="0">
+              <a:solidFill>
+                <a:srgbClr val="00B0F0"/>
+              </a:solidFill>
+              <a:latin typeface="Segoe UI Light" panose="020B0502040204020203" pitchFamily="34" charset="0"/>
+              <a:cs typeface="Segoe UI Light" panose="020B0502040204020203" pitchFamily="34" charset="0"/>
+            </a:endParaRPr>
+          </a:p>
+        </p:txBody>
+      </p:sp>
       <p:pic>
         <p:nvPicPr>
-          <p:cNvPr id="6" name="Picture 5"/>
+          <p:cNvPr id="5" name="Picture 4"/>
           <p:cNvPicPr>
             <a:picLocks noChangeAspect="1"/>
           </p:cNvPicPr>
           <p:nvPr/>
         </p:nvPicPr>
         <p:blipFill>
-          <a:blip r:embed="rId2">
+          <a:blip r:embed="rId3">
             <a:extLst>
               <a:ext uri="{28A0092B-C50C-407E-A947-70E740481C1C}">
                 <a14:useLocalDpi xmlns:a14="http://schemas.microsoft.com/office/drawing/2010/main" val="0"/>
@@ -3803,8 +4889,263 @@
         </p:blipFill>
         <p:spPr>
           <a:xfrm>
-            <a:off x="0" y="-1"/>
-            <a:ext cx="9144000" cy="5366385"/>
+            <a:off x="3865892" y="2225340"/>
+            <a:ext cx="190476" cy="190476"/>
+          </a:xfrm>
+          <a:prstGeom prst="rect">
+            <a:avLst/>
+          </a:prstGeom>
+        </p:spPr>
+      </p:pic>
+      <p:pic>
+        <p:nvPicPr>
+          <p:cNvPr id="8" name="Picture 7"/>
+          <p:cNvPicPr>
+            <a:picLocks noChangeAspect="1"/>
+          </p:cNvPicPr>
+          <p:nvPr/>
+        </p:nvPicPr>
+        <p:blipFill>
+          <a:blip r:embed="rId3">
+            <a:extLst>
+              <a:ext uri="{28A0092B-C50C-407E-A947-70E740481C1C}">
+                <a14:useLocalDpi xmlns:a14="http://schemas.microsoft.com/office/drawing/2010/main" val="0"/>
+              </a:ext>
+            </a:extLst>
+          </a:blip>
+          <a:stretch>
+            <a:fillRect/>
+          </a:stretch>
+        </p:blipFill>
+        <p:spPr>
+          <a:xfrm>
+            <a:off x="3676535" y="2371608"/>
+            <a:ext cx="190476" cy="190476"/>
+          </a:xfrm>
+          <a:prstGeom prst="rect">
+            <a:avLst/>
+          </a:prstGeom>
+        </p:spPr>
+      </p:pic>
+      <p:sp>
+        <p:nvSpPr>
+          <p:cNvPr id="7" name="Rectangle 6"/>
+          <p:cNvSpPr/>
+          <p:nvPr/>
+        </p:nvSpPr>
+        <p:spPr bwMode="auto">
+          <a:xfrm>
+            <a:off x="3179860" y="1477310"/>
+            <a:ext cx="5400000" cy="2475999"/>
+          </a:xfrm>
+          <a:prstGeom prst="rect">
+            <a:avLst/>
+          </a:prstGeom>
+          <a:solidFill>
+            <a:schemeClr val="bg1"/>
+          </a:solidFill>
+          <a:ln>
+            <a:noFill/>
+            <a:headEnd type="none" w="med" len="med"/>
+            <a:tailEnd type="none" w="med" len="med"/>
+          </a:ln>
+          <a:effectLst/>
+        </p:spPr>
+        <p:style>
+          <a:lnRef idx="1">
+            <a:schemeClr val="accent2"/>
+          </a:lnRef>
+          <a:fillRef idx="3">
+            <a:schemeClr val="accent2"/>
+          </a:fillRef>
+          <a:effectRef idx="2">
+            <a:schemeClr val="accent2"/>
+          </a:effectRef>
+          <a:fontRef idx="minor">
+            <a:schemeClr val="lt1"/>
+          </a:fontRef>
+        </p:style>
+        <p:txBody>
+          <a:bodyPr rot="0" spcFirstLastPara="0" vertOverflow="overflow" horzOverflow="overflow" vert="horz" wrap="square" lIns="68580" tIns="68580" rIns="34290" bIns="34290" numCol="1" spcCol="0" rtlCol="0" fromWordArt="0" anchor="t" anchorCtr="0" forceAA="0" compatLnSpc="1">
+            <a:prstTxWarp prst="textNoShape">
+              <a:avLst/>
+            </a:prstTxWarp>
+            <a:noAutofit/>
+          </a:bodyPr>
+          <a:lstStyle/>
+          <a:p>
+            <a:r>
+              <a:rPr lang="en-US" sz="3000" b="1" dirty="0" smtClean="0">
+                <a:solidFill>
+                  <a:srgbClr val="002060"/>
+                </a:solidFill>
+                <a:latin typeface="Segoe UI Light" panose="020B0502040204020203" pitchFamily="34" charset="0"/>
+                <a:cs typeface="Segoe UI Light" panose="020B0502040204020203" pitchFamily="34" charset="0"/>
+              </a:rPr>
+              <a:t>Christopher Harrison</a:t>
+            </a:r>
+            <a:endParaRPr lang="en-US" sz="3000" b="1" dirty="0" smtClean="0">
+              <a:solidFill>
+                <a:srgbClr val="002060"/>
+              </a:solidFill>
+              <a:latin typeface="Segoe UI Light" panose="020B0502040204020203" pitchFamily="34" charset="0"/>
+              <a:cs typeface="Segoe UI Light" panose="020B0502040204020203" pitchFamily="34" charset="0"/>
+            </a:endParaRPr>
+          </a:p>
+          <a:p>
+            <a:r>
+              <a:rPr lang="en-US" sz="1200" dirty="0" smtClean="0">
+                <a:solidFill>
+                  <a:srgbClr val="002060"/>
+                </a:solidFill>
+                <a:latin typeface="Segoe UI Light" panose="020B0502040204020203" pitchFamily="34" charset="0"/>
+                <a:cs typeface="Segoe UI Light" panose="020B0502040204020203" pitchFamily="34" charset="0"/>
+              </a:rPr>
+              <a:t>Content Developer</a:t>
+            </a:r>
+            <a:endParaRPr lang="en-US" sz="1200" dirty="0" smtClean="0">
+              <a:solidFill>
+                <a:srgbClr val="002060"/>
+              </a:solidFill>
+              <a:latin typeface="Segoe UI Light" panose="020B0502040204020203" pitchFamily="34" charset="0"/>
+              <a:cs typeface="Segoe UI Light" panose="020B0502040204020203" pitchFamily="34" charset="0"/>
+            </a:endParaRPr>
+          </a:p>
+          <a:p>
+            <a:endParaRPr lang="en-US" sz="800" dirty="0" smtClean="0">
+              <a:solidFill>
+                <a:srgbClr val="002060"/>
+              </a:solidFill>
+              <a:latin typeface="Segoe UI Light" panose="020B0502040204020203" pitchFamily="34" charset="0"/>
+              <a:cs typeface="Segoe UI Light" panose="020B0502040204020203" pitchFamily="34" charset="0"/>
+            </a:endParaRPr>
+          </a:p>
+          <a:p>
+            <a:r>
+              <a:rPr lang="en-US" sz="1200" dirty="0">
+                <a:solidFill>
+                  <a:srgbClr val="002060"/>
+                </a:solidFill>
+                <a:latin typeface="Segoe UI Light" panose="020B0502040204020203" pitchFamily="34" charset="0"/>
+                <a:cs typeface="Segoe UI Light" panose="020B0502040204020203" pitchFamily="34" charset="0"/>
+              </a:rPr>
+              <a:t>      </a:t>
+            </a:r>
+            <a:r>
+              <a:rPr lang="en-US" sz="1200" dirty="0" smtClean="0">
+                <a:solidFill>
+                  <a:srgbClr val="002060"/>
+                </a:solidFill>
+                <a:latin typeface="Segoe UI Light" panose="020B0502040204020203" pitchFamily="34" charset="0"/>
+                <a:cs typeface="Segoe UI Light" panose="020B0502040204020203" pitchFamily="34" charset="0"/>
+              </a:rPr>
+              <a:t>@</a:t>
+            </a:r>
+            <a:r>
+              <a:rPr lang="en-US" sz="1200" dirty="0" err="1" smtClean="0">
+                <a:solidFill>
+                  <a:srgbClr val="002060"/>
+                </a:solidFill>
+                <a:latin typeface="Segoe UI Light" panose="020B0502040204020203" pitchFamily="34" charset="0"/>
+                <a:cs typeface="Segoe UI Light" panose="020B0502040204020203" pitchFamily="34" charset="0"/>
+              </a:rPr>
+              <a:t>geektrainer</a:t>
+            </a:r>
+            <a:endParaRPr lang="en-US" sz="1200" dirty="0" smtClean="0">
+              <a:solidFill>
+                <a:srgbClr val="002060"/>
+              </a:solidFill>
+              <a:latin typeface="Segoe UI Light" panose="020B0502040204020203" pitchFamily="34" charset="0"/>
+              <a:cs typeface="Segoe UI Light" panose="020B0502040204020203" pitchFamily="34" charset="0"/>
+            </a:endParaRPr>
+          </a:p>
+          <a:p>
+            <a:endParaRPr lang="en-US" sz="1200" dirty="0" smtClean="0">
+              <a:solidFill>
+                <a:srgbClr val="002060"/>
+              </a:solidFill>
+              <a:latin typeface="Segoe UI Light" panose="020B0502040204020203" pitchFamily="34" charset="0"/>
+              <a:cs typeface="Segoe UI Light" panose="020B0502040204020203" pitchFamily="34" charset="0"/>
+            </a:endParaRPr>
+          </a:p>
+          <a:p>
+            <a:r>
+              <a:rPr lang="en-US" sz="1100" dirty="0" smtClean="0">
+                <a:solidFill>
+                  <a:schemeClr val="tx1"/>
+                </a:solidFill>
+                <a:latin typeface="Segoe UI Light" panose="020B0502040204020203" pitchFamily="34" charset="0"/>
+                <a:cs typeface="Segoe UI Light" panose="020B0502040204020203" pitchFamily="34" charset="0"/>
+              </a:rPr>
+              <a:t>Christopher </a:t>
+            </a:r>
+            <a:r>
+              <a:rPr lang="en-US" sz="1100" dirty="0">
+                <a:solidFill>
+                  <a:schemeClr val="tx1"/>
+                </a:solidFill>
+                <a:latin typeface="Segoe UI Light" panose="020B0502040204020203" pitchFamily="34" charset="0"/>
+                <a:cs typeface="Segoe UI Light" panose="020B0502040204020203" pitchFamily="34" charset="0"/>
+              </a:rPr>
+              <a:t>Harrison is a self-proclaimed geek with a passion for development and educating others. He got his first introduction to technology when his father brought home a VIC-20, graduated to a Commodore 64, and kept growing from there. Christopher parlayed that into a long career as a Microsoft Certified Trainer (MCT), with a focus on .NET development, SharePoint, and SQL Server. When offered the opportunity to become a content developer at Microsoft, he just couldn't resist and he made the jump. </a:t>
+            </a:r>
+          </a:p>
+        </p:txBody>
+      </p:sp>
+      <p:pic>
+        <p:nvPicPr>
+          <p:cNvPr id="10" name="Picture 9"/>
+          <p:cNvPicPr>
+            <a:picLocks noChangeAspect="1"/>
+          </p:cNvPicPr>
+          <p:nvPr/>
+        </p:nvPicPr>
+        <p:blipFill>
+          <a:blip r:embed="rId3">
+            <a:extLst>
+              <a:ext uri="{28A0092B-C50C-407E-A947-70E740481C1C}">
+                <a14:useLocalDpi xmlns:a14="http://schemas.microsoft.com/office/drawing/2010/main" val="0"/>
+              </a:ext>
+            </a:extLst>
+          </a:blip>
+          <a:stretch>
+            <a:fillRect/>
+          </a:stretch>
+        </p:blipFill>
+        <p:spPr>
+          <a:xfrm>
+            <a:off x="3279015" y="2350313"/>
+            <a:ext cx="190476" cy="190476"/>
+          </a:xfrm>
+          <a:prstGeom prst="rect">
+            <a:avLst/>
+          </a:prstGeom>
+        </p:spPr>
+      </p:pic>
+      <p:pic>
+        <p:nvPicPr>
+          <p:cNvPr id="6" name="Picture 5"/>
+          <p:cNvPicPr>
+            <a:picLocks noChangeAspect="1"/>
+          </p:cNvPicPr>
+          <p:nvPr/>
+        </p:nvPicPr>
+        <p:blipFill>
+          <a:blip r:embed="rId4">
+            <a:extLst>
+              <a:ext uri="{28A0092B-C50C-407E-A947-70E740481C1C}">
+                <a14:useLocalDpi xmlns:a14="http://schemas.microsoft.com/office/drawing/2010/main" val="0"/>
+              </a:ext>
+            </a:extLst>
+          </a:blip>
+          <a:stretch>
+            <a:fillRect/>
+          </a:stretch>
+        </p:blipFill>
+        <p:spPr>
+          <a:xfrm>
+            <a:off x="668086" y="1477311"/>
+            <a:ext cx="2520000" cy="2520000"/>
           </a:xfrm>
           <a:prstGeom prst="rect">
             <a:avLst/>
@@ -3814,13 +5155,32 @@
     </p:spTree>
     <p:extLst>
       <p:ext uri="{BB962C8B-B14F-4D97-AF65-F5344CB8AC3E}">
-        <p14:creationId xmlns:p14="http://schemas.microsoft.com/office/powerpoint/2010/main" val="3650837784"/>
+        <p14:creationId xmlns:p14="http://schemas.microsoft.com/office/powerpoint/2010/main" val="2478939071"/>
       </p:ext>
     </p:extLst>
   </p:cSld>
   <p:clrMapOvr>
     <a:masterClrMapping/>
   </p:clrMapOvr>
+  <mc:AlternateContent xmlns:mc="http://schemas.openxmlformats.org/markup-compatibility/2006" xmlns:p14="http://schemas.microsoft.com/office/powerpoint/2010/main">
+    <mc:Choice Requires="p14">
+      <p:transition spd="slow" p14:dur="1500">
+        <p14:reveal/>
+      </p:transition>
+    </mc:Choice>
+    <mc:Fallback xmlns="">
+      <p:transition spd="slow">
+        <p:fade/>
+      </p:transition>
+    </mc:Fallback>
+  </mc:AlternateContent>
+  <p:timing>
+    <p:tnLst>
+      <p:par>
+        <p:cTn id="1" dur="indefinite" restart="never" nodeType="tmRoot"/>
+      </p:par>
+    </p:tnLst>
+  </p:timing>
 </p:sld>
 </file>
 
@@ -3858,7 +5218,7 @@
           <a:p>
             <a:r>
               <a:rPr lang="en-US" dirty="0" smtClean="0"/>
-              <a:t>Know your stuff? Get Certified!</a:t>
+              <a:t>Upcoming Web Wednesday Events</a:t>
             </a:r>
             <a:endParaRPr lang="en-US" dirty="0"/>
           </a:p>
@@ -3881,45 +5241,43 @@
           <a:p>
             <a:r>
               <a:rPr lang="en-US" dirty="0" smtClean="0"/>
-              <a:t>Microsoft Certified Solutions Expert (MCSE) </a:t>
-            </a:r>
-            <a:endParaRPr lang="en-US" dirty="0"/>
+              <a:t>October </a:t>
+            </a:r>
+            <a:r>
+              <a:rPr lang="en-US" dirty="0" smtClean="0"/>
+              <a:t>29</a:t>
+            </a:r>
+            <a:r>
+              <a:rPr lang="en-US" baseline="30000" dirty="0" smtClean="0"/>
+              <a:t>th</a:t>
+            </a:r>
+            <a:r>
+              <a:rPr lang="en-US" dirty="0" smtClean="0"/>
+              <a:t> – Introduction to jQuery</a:t>
+            </a:r>
           </a:p>
           <a:p>
             <a:pPr lvl="1"/>
             <a:r>
-              <a:rPr lang="en-US" dirty="0">
-                <a:solidFill>
-                  <a:schemeClr val="bg1"/>
-                </a:solidFill>
-              </a:rPr>
-              <a:t>http://</a:t>
-            </a:r>
-            <a:r>
-              <a:rPr lang="en-US" dirty="0" smtClean="0">
-                <a:solidFill>
-                  <a:schemeClr val="bg1"/>
-                </a:solidFill>
-              </a:rPr>
-              <a:t>aka.ms/MCSE-Svr-Infr</a:t>
-            </a:r>
-            <a:endParaRPr lang="en-US" dirty="0" smtClean="0">
-              <a:solidFill>
-                <a:schemeClr val="bg1"/>
-              </a:solidFill>
-              <a:hlinkClick r:id="rId2"/>
-            </a:endParaRPr>
-          </a:p>
-          <a:p>
-            <a:r>
-              <a:rPr lang="en-US" dirty="0"/>
-              <a:t>Microsoft Certified Solutions </a:t>
-            </a:r>
-            <a:r>
               <a:rPr lang="en-US" dirty="0" smtClean="0"/>
-              <a:t>Associate (MCSA) </a:t>
-            </a:r>
-            <a:endParaRPr lang="en-US" dirty="0"/>
+              <a:t>Jeremy Foster (@</a:t>
+            </a:r>
+            <a:r>
+              <a:rPr lang="en-US" dirty="0" err="1" smtClean="0"/>
+              <a:t>codefoster</a:t>
+            </a:r>
+            <a:r>
+              <a:rPr lang="en-US" dirty="0" smtClean="0"/>
+              <a:t>) and Rachel Appel (@</a:t>
+            </a:r>
+            <a:r>
+              <a:rPr lang="en-US" dirty="0" err="1" smtClean="0"/>
+              <a:t>rachelappel</a:t>
+            </a:r>
+            <a:r>
+              <a:rPr lang="en-US" dirty="0" smtClean="0"/>
+              <a:t>)</a:t>
+            </a:r>
           </a:p>
           <a:p>
             <a:pPr lvl="1"/>
@@ -3929,66 +5287,75 @@
             </a:r>
             <a:r>
               <a:rPr lang="en-US" dirty="0" smtClean="0"/>
-              <a:t>aka.ms/MCSA-WinSvr2012 </a:t>
+              <a:t>aka.ms/intro-jquery</a:t>
             </a:r>
           </a:p>
           <a:p>
             <a:r>
               <a:rPr lang="en-US" dirty="0" smtClean="0"/>
-              <a:t>Microsoft Learning Partners—Learn from the Pros!</a:t>
+              <a:t>November 26</a:t>
+            </a:r>
+            <a:r>
+              <a:rPr lang="en-US" baseline="30000" dirty="0" smtClean="0"/>
+              <a:t>th</a:t>
+            </a:r>
+            <a:r>
+              <a:rPr lang="en-US" dirty="0" smtClean="0"/>
+              <a:t> – Customizing Identity in ASP.NET</a:t>
             </a:r>
           </a:p>
           <a:p>
             <a:pPr lvl="1"/>
             <a:r>
               <a:rPr lang="en-US" dirty="0" smtClean="0"/>
-              <a:t>http://aka.ms/CPLS</a:t>
+              <a:t>Jeremy Foster (@</a:t>
+            </a:r>
+            <a:r>
+              <a:rPr lang="en-US" dirty="0" err="1" smtClean="0"/>
+              <a:t>codefoster</a:t>
+            </a:r>
+            <a:r>
+              <a:rPr lang="en-US" dirty="0" smtClean="0"/>
+              <a:t>) and Adam Tuliper (@</a:t>
+            </a:r>
+            <a:r>
+              <a:rPr lang="en-US" dirty="0" err="1" smtClean="0"/>
+              <a:t>adamtuliper</a:t>
+            </a:r>
+            <a:r>
+              <a:rPr lang="en-US" dirty="0" smtClean="0"/>
+              <a:t>)</a:t>
+            </a:r>
+          </a:p>
+          <a:p>
+            <a:pPr lvl="1"/>
+            <a:r>
+              <a:rPr lang="en-US" dirty="0" smtClean="0"/>
+              <a:t>Details coming soon</a:t>
             </a:r>
             <a:endParaRPr lang="en-US" dirty="0"/>
           </a:p>
           <a:p>
-            <a:pPr lvl="1"/>
-            <a:r>
-              <a:rPr lang="en-US" dirty="0" smtClean="0"/>
-              <a:t>Find a Class: http://aka.ms/ClassLocator  </a:t>
-            </a:r>
-          </a:p>
-          <a:p>
-            <a:endParaRPr lang="en-US" dirty="0"/>
+            <a:endParaRPr lang="en-US" dirty="0" smtClean="0"/>
           </a:p>
         </p:txBody>
       </p:sp>
     </p:spTree>
     <p:extLst>
       <p:ext uri="{BB962C8B-B14F-4D97-AF65-F5344CB8AC3E}">
-        <p14:creationId xmlns:p14="http://schemas.microsoft.com/office/powerpoint/2010/main" val="817719479"/>
+        <p14:creationId xmlns:p14="http://schemas.microsoft.com/office/powerpoint/2010/main" val="1783618081"/>
       </p:ext>
     </p:extLst>
   </p:cSld>
   <p:clrMapOvr>
     <a:masterClrMapping/>
   </p:clrMapOvr>
-  <p:timing>
-    <p:tnLst>
-      <p:par>
-        <p:cTn id="1" dur="indefinite" restart="never" nodeType="tmRoot"/>
-      </p:par>
-    </p:tnLst>
-  </p:timing>
 </p:sld>
 </file>
 
 <file path=ppt/slides/slide7.xml><?xml version="1.0" encoding="utf-8"?>
-<p:sld xmlns:a="http://schemas.openxmlformats.org/drawingml/2006/main" xmlns:r="http://schemas.openxmlformats.org/officeDocument/2006/relationships" xmlns:p="http://schemas.openxmlformats.org/presentationml/2006/main" showMasterSp="0">
+<p:sld xmlns:a="http://schemas.openxmlformats.org/drawingml/2006/main" xmlns:r="http://schemas.openxmlformats.org/officeDocument/2006/relationships" xmlns:p="http://schemas.openxmlformats.org/presentationml/2006/main">
   <p:cSld>
-    <p:bg>
-      <p:bgPr>
-        <a:solidFill>
-          <a:schemeClr val="bg1"/>
-        </a:solidFill>
-        <a:effectLst/>
-      </p:bgPr>
-    </p:bg>
     <p:spTree>
       <p:nvGrpSpPr>
         <p:cNvPr id="1" name=""/>
@@ -4015,26 +5382,14 @@
         </p:nvSpPr>
         <p:spPr/>
         <p:txBody>
-          <a:bodyPr>
-            <a:normAutofit/>
-          </a:bodyPr>
+          <a:bodyPr/>
           <a:lstStyle/>
           <a:p>
             <a:r>
-              <a:rPr lang="en-US" sz="5400" dirty="0" smtClean="0">
-                <a:solidFill>
-                  <a:schemeClr val="tx1"/>
-                </a:solidFill>
-                <a:latin typeface="GoodDog" panose="02000000000000000000" pitchFamily="50" charset="0"/>
-              </a:rPr>
-              <a:t>follow us…</a:t>
-            </a:r>
-            <a:endParaRPr lang="en-US" sz="5400" dirty="0">
-              <a:solidFill>
-                <a:schemeClr val="tx1"/>
-              </a:solidFill>
-              <a:latin typeface="GoodDog" panose="02000000000000000000" pitchFamily="50" charset="0"/>
-            </a:endParaRPr>
+              <a:rPr lang="en-US" dirty="0" smtClean="0"/>
+              <a:t>Access the source code</a:t>
+            </a:r>
+            <a:endParaRPr lang="en-US" dirty="0"/>
           </a:p>
         </p:txBody>
       </p:sp>
@@ -4053,175 +5408,18 @@
           <a:bodyPr/>
           <a:lstStyle/>
           <a:p>
+            <a:r>
+              <a:rPr lang="en-US" dirty="0"/>
+              <a:t>https://github.com/GeekTrainer/FrayedKnot</a:t>
+            </a:r>
             <a:endParaRPr lang="en-US" dirty="0"/>
-          </a:p>
-        </p:txBody>
-      </p:sp>
-      <p:pic>
-        <p:nvPicPr>
-          <p:cNvPr id="4" name="Picture 3"/>
-          <p:cNvPicPr>
-            <a:picLocks noChangeAspect="1"/>
-          </p:cNvPicPr>
-          <p:nvPr/>
-        </p:nvPicPr>
-        <p:blipFill>
-          <a:blip r:embed="rId3">
-            <a:extLst>
-              <a:ext uri="{28A0092B-C50C-407E-A947-70E740481C1C}">
-                <a14:useLocalDpi xmlns:a14="http://schemas.microsoft.com/office/drawing/2010/main" val="0"/>
-              </a:ext>
-            </a:extLst>
-          </a:blip>
-          <a:stretch>
-            <a:fillRect/>
-          </a:stretch>
-        </p:blipFill>
-        <p:spPr>
-          <a:xfrm>
-            <a:off x="457199" y="1168400"/>
-            <a:ext cx="1752601" cy="1752601"/>
-          </a:xfrm>
-          <a:prstGeom prst="rect">
-            <a:avLst/>
-          </a:prstGeom>
-        </p:spPr>
-      </p:pic>
-      <p:pic>
-        <p:nvPicPr>
-          <p:cNvPr id="6" name="Picture 5"/>
-          <p:cNvPicPr>
-            <a:picLocks noChangeAspect="1"/>
-          </p:cNvPicPr>
-          <p:nvPr/>
-        </p:nvPicPr>
-        <p:blipFill>
-          <a:blip r:embed="rId4"/>
-          <a:stretch>
-            <a:fillRect/>
-          </a:stretch>
-        </p:blipFill>
-        <p:spPr>
-          <a:xfrm>
-            <a:off x="457199" y="3066143"/>
-            <a:ext cx="1752601" cy="1766083"/>
-          </a:xfrm>
-          <a:prstGeom prst="rect">
-            <a:avLst/>
-          </a:prstGeom>
-        </p:spPr>
-      </p:pic>
-      <p:sp>
-        <p:nvSpPr>
-          <p:cNvPr id="7" name="TextBox 6"/>
-          <p:cNvSpPr txBox="1"/>
-          <p:nvPr/>
-        </p:nvSpPr>
-        <p:spPr>
-          <a:xfrm>
-            <a:off x="2343150" y="1256779"/>
-            <a:ext cx="6067425" cy="1200329"/>
-          </a:xfrm>
-          <a:prstGeom prst="rect">
-            <a:avLst/>
-          </a:prstGeom>
-          <a:noFill/>
-        </p:spPr>
-        <p:txBody>
-          <a:bodyPr wrap="square" rtlCol="0">
-            <a:spAutoFit/>
-          </a:bodyPr>
-          <a:lstStyle/>
-          <a:p>
-            <a:r>
-              <a:rPr lang="en-US" sz="2400" dirty="0" smtClean="0">
-                <a:cs typeface="Segoe UI" panose="020B0502040204020203" pitchFamily="34" charset="0"/>
-              </a:rPr>
-              <a:t>codefoster.com/blog/feed</a:t>
-            </a:r>
-          </a:p>
-          <a:p>
-            <a:r>
-              <a:rPr lang="en-US" sz="2400" dirty="0" smtClean="0">
-                <a:cs typeface="Segoe UI" panose="020B0502040204020203" pitchFamily="34" charset="0"/>
-              </a:rPr>
-              <a:t>codefoster.com/</a:t>
-            </a:r>
-            <a:r>
-              <a:rPr lang="en-US" sz="2400" dirty="0" err="1" smtClean="0">
-                <a:cs typeface="Segoe UI" panose="020B0502040204020203" pitchFamily="34" charset="0"/>
-              </a:rPr>
-              <a:t>codechat</a:t>
-            </a:r>
-            <a:r>
-              <a:rPr lang="en-US" sz="2400" dirty="0" smtClean="0">
-                <a:cs typeface="Segoe UI" panose="020B0502040204020203" pitchFamily="34" charset="0"/>
-              </a:rPr>
-              <a:t>/feed</a:t>
-            </a:r>
-          </a:p>
-          <a:p>
-            <a:r>
-              <a:rPr lang="en-US" sz="2400" dirty="0" smtClean="0">
-                <a:cs typeface="Segoe UI" panose="020B0502040204020203" pitchFamily="34" charset="0"/>
-              </a:rPr>
-              <a:t>twitter.com/codefoster</a:t>
-            </a:r>
-            <a:endParaRPr lang="en-US" sz="2400" dirty="0">
-              <a:cs typeface="Segoe UI" panose="020B0502040204020203" pitchFamily="34" charset="0"/>
-            </a:endParaRPr>
-          </a:p>
-        </p:txBody>
-      </p:sp>
-      <p:sp>
-        <p:nvSpPr>
-          <p:cNvPr id="8" name="TextBox 7"/>
-          <p:cNvSpPr txBox="1"/>
-          <p:nvPr/>
-        </p:nvSpPr>
-        <p:spPr>
-          <a:xfrm>
-            <a:off x="2343150" y="3256643"/>
-            <a:ext cx="6067425" cy="830997"/>
-          </a:xfrm>
-          <a:prstGeom prst="rect">
-            <a:avLst/>
-          </a:prstGeom>
-          <a:noFill/>
-        </p:spPr>
-        <p:txBody>
-          <a:bodyPr wrap="square" rtlCol="0">
-            <a:spAutoFit/>
-          </a:bodyPr>
-          <a:lstStyle/>
-          <a:p>
-            <a:r>
-              <a:rPr lang="en-US" sz="2400" dirty="0">
-                <a:cs typeface="Segoe UI" panose="020B0502040204020203" pitchFamily="34" charset="0"/>
-              </a:rPr>
-              <a:t>feeds.feedburner.com/palermo4</a:t>
-            </a:r>
-            <a:endParaRPr lang="en-US" sz="2400" dirty="0" smtClean="0">
-              <a:cs typeface="Segoe UI" panose="020B0502040204020203" pitchFamily="34" charset="0"/>
-            </a:endParaRPr>
-          </a:p>
-          <a:p>
-            <a:r>
-              <a:rPr lang="en-US" sz="2400" dirty="0" smtClean="0">
-                <a:cs typeface="Segoe UI" panose="020B0502040204020203" pitchFamily="34" charset="0"/>
-              </a:rPr>
-              <a:t>twitter.com/palermo4</a:t>
-            </a:r>
-            <a:endParaRPr lang="en-US" sz="2400" dirty="0">
-              <a:cs typeface="Segoe UI" panose="020B0502040204020203" pitchFamily="34" charset="0"/>
-            </a:endParaRPr>
           </a:p>
         </p:txBody>
       </p:sp>
     </p:spTree>
     <p:extLst>
       <p:ext uri="{BB962C8B-B14F-4D97-AF65-F5344CB8AC3E}">
-        <p14:creationId xmlns:p14="http://schemas.microsoft.com/office/powerpoint/2010/main" val="2894358750"/>
+        <p14:creationId xmlns:p14="http://schemas.microsoft.com/office/powerpoint/2010/main" val="1325980532"/>
       </p:ext>
     </p:extLst>
   </p:cSld>
@@ -4546,6 +5744,11 @@
     </a:lnDef>
   </a:objectDefaults>
   <a:extraClrSchemeLst/>
+  <a:extLst>
+    <a:ext uri="{05A4C25C-085E-4340-85A3-A5531E510DB2}">
+      <thm15:themeFamily xmlns:thm15="http://schemas.microsoft.com/office/thememl/2012/main" name="BreakSlides-Template Azure Dev Camp draft Day 2 April 24.potx" id="{ED74E470-6DB1-48F8-8F1A-7CAB83FD0BE5}" vid="{CE0851F9-900B-4131-A3BE-ED7259773C77}"/>
+    </a:ext>
+  </a:extLst>
 </a:theme>
 </file>
 
@@ -4864,6 +6067,11 @@
     </a:lnDef>
   </a:objectDefaults>
   <a:extraClrSchemeLst/>
+  <a:extLst>
+    <a:ext uri="{05A4C25C-085E-4340-85A3-A5531E510DB2}">
+      <thm15:themeFamily xmlns:thm15="http://schemas.microsoft.com/office/thememl/2012/main" name="BreakSlides-Template Azure Dev Camp draft Day 2 April 24.potx" id="{ED74E470-6DB1-48F8-8F1A-7CAB83FD0BE5}" vid="{C73617F2-B2B7-464D-B515-A967B34771C9}"/>
+    </a:ext>
+  </a:extLst>
 </a:theme>
 </file>
 
@@ -5390,9 +6598,32 @@
 </file>
 
 <file path=customXml/item1.xml><?xml version="1.0" encoding="utf-8"?>
-<ct:contentTypeSchema xmlns:ct="http://schemas.microsoft.com/office/2006/metadata/contentType" xmlns:ma="http://schemas.microsoft.com/office/2006/metadata/properties/metaAttributes" ct:_="" ma:_="" ma:contentTypeName="Document" ma:contentTypeID="0x010100CF3CFFA86DA93345A891C3CCBC738F63" ma:contentTypeVersion="1" ma:contentTypeDescription="Create a new document." ma:contentTypeScope="" ma:versionID="060e45d69093970729cdde03e78aa3cc">
-  <xsd:schema xmlns:xsd="http://www.w3.org/2001/XMLSchema" xmlns:xs="http://www.w3.org/2001/XMLSchema" xmlns:p="http://schemas.microsoft.com/office/2006/metadata/properties" xmlns:ns3="ecd1fa32-ae44-48d6-80a1-71a52da60b4a" targetNamespace="http://schemas.microsoft.com/office/2006/metadata/properties" ma:root="true" ma:fieldsID="2fc9741b54117334ed0e10932dac3600" ns3:_="">
-    <xsd:import namespace="ecd1fa32-ae44-48d6-80a1-71a52da60b4a"/>
+<?mso-contentType ?>
+<FormTemplates xmlns="http://schemas.microsoft.com/sharepoint/v3/contenttype/forms">
+  <Display>DocumentLibraryForm</Display>
+  <Edit>DocumentLibraryForm</Edit>
+  <New>DocumentLibraryForm</New>
+</FormTemplates>
+</file>
+
+<file path=customXml/item2.xml><?xml version="1.0" encoding="utf-8"?>
+<p:properties xmlns:p="http://schemas.microsoft.com/office/2006/metadata/properties" xmlns:xsi="http://www.w3.org/2001/XMLSchema-instance" xmlns:pc="http://schemas.microsoft.com/office/infopath/2007/PartnerControls">
+  <documentManagement>
+    <SharedWithUsers xmlns="40f62f3d-88fb-416f-8aeb-e1a0b982e955">
+      <UserInfo>
+        <DisplayName>Jeremy Thake</DisplayName>
+        <AccountId>3278</AccountId>
+        <AccountType/>
+      </UserInfo>
+    </SharedWithUsers>
+  </documentManagement>
+</p:properties>
+</file>
+
+<file path=customXml/item3.xml><?xml version="1.0" encoding="utf-8"?>
+<ct:contentTypeSchema xmlns:ct="http://schemas.microsoft.com/office/2006/metadata/contentType" xmlns:ma="http://schemas.microsoft.com/office/2006/metadata/properties/metaAttributes" ct:_="" ma:_="" ma:contentTypeName="Document" ma:contentTypeID="0x0101003950112AD8B795438BF76DC29E37E368" ma:contentTypeVersion="1" ma:contentTypeDescription="Create a new document." ma:contentTypeScope="" ma:versionID="ab64a1350ae4601b1700e84aab503654">
+  <xsd:schema xmlns:xsd="http://www.w3.org/2001/XMLSchema" xmlns:xs="http://www.w3.org/2001/XMLSchema" xmlns:p="http://schemas.microsoft.com/office/2006/metadata/properties" xmlns:ns3="40f62f3d-88fb-416f-8aeb-e1a0b982e955" targetNamespace="http://schemas.microsoft.com/office/2006/metadata/properties" ma:root="true" ma:fieldsID="f35b2b2bf5bbfa784ec62d29f705a4d5" ns3:_="">
+    <xsd:import namespace="40f62f3d-88fb-416f-8aeb-e1a0b982e955"/>
     <xsd:element name="properties">
       <xsd:complexType>
         <xsd:sequence>
@@ -5407,7 +6638,7 @@
       </xsd:complexType>
     </xsd:element>
   </xsd:schema>
-  <xsd:schema xmlns:xsd="http://www.w3.org/2001/XMLSchema" xmlns:xs="http://www.w3.org/2001/XMLSchema" xmlns:dms="http://schemas.microsoft.com/office/2006/documentManagement/types" xmlns:pc="http://schemas.microsoft.com/office/infopath/2007/PartnerControls" targetNamespace="ecd1fa32-ae44-48d6-80a1-71a52da60b4a" elementFormDefault="qualified">
+  <xsd:schema xmlns:xsd="http://www.w3.org/2001/XMLSchema" xmlns:xs="http://www.w3.org/2001/XMLSchema" xmlns:dms="http://schemas.microsoft.com/office/2006/documentManagement/types" xmlns:pc="http://schemas.microsoft.com/office/infopath/2007/PartnerControls" targetNamespace="40f62f3d-88fb-416f-8aeb-e1a0b982e955" elementFormDefault="qualified">
     <xsd:import namespace="http://schemas.microsoft.com/office/2006/documentManagement/types"/>
     <xsd:import namespace="http://schemas.microsoft.com/office/infopath/2007/PartnerControls"/>
     <xsd:element name="SharedWithUsers" ma:index="8" nillable="true" ma:displayName="Shared With" ma:internalName="SharedWithUsers" ma:readOnly="true">
@@ -5529,29 +6760,38 @@
 </ct:contentTypeSchema>
 </file>
 
-<file path=customXml/item2.xml><?xml version="1.0" encoding="utf-8"?>
-<?mso-contentType ?>
-<FormTemplates xmlns="http://schemas.microsoft.com/sharepoint/v3/contenttype/forms">
-  <Display>DocumentLibraryForm</Display>
-  <Edit>DocumentLibraryForm</Edit>
-  <New>DocumentLibraryForm</New>
-</FormTemplates>
+<file path=customXml/itemProps1.xml><?xml version="1.0" encoding="utf-8"?>
+<ds:datastoreItem xmlns:ds="http://schemas.openxmlformats.org/officeDocument/2006/customXml" ds:itemID="{9E0815C6-0C3C-41B2-94A3-08042AD9971B}">
+  <ds:schemaRefs>
+    <ds:schemaRef ds:uri="http://schemas.microsoft.com/sharepoint/v3/contenttype/forms"/>
+  </ds:schemaRefs>
+</ds:datastoreItem>
 </file>
 
-<file path=customXml/item3.xml><?xml version="1.0" encoding="utf-8"?>
-<p:properties xmlns:p="http://schemas.microsoft.com/office/2006/metadata/properties" xmlns:xsi="http://www.w3.org/2001/XMLSchema-instance" xmlns:pc="http://schemas.microsoft.com/office/infopath/2007/PartnerControls">
-  <documentManagement/>
-</p:properties>
+<file path=customXml/itemProps2.xml><?xml version="1.0" encoding="utf-8"?>
+<ds:datastoreItem xmlns:ds="http://schemas.openxmlformats.org/officeDocument/2006/customXml" ds:itemID="{5D599C98-5E90-4F27-9E1E-CD2420FEB30D}">
+  <ds:schemaRefs>
+    <ds:schemaRef ds:uri="http://schemas.microsoft.com/office/2006/metadata/properties"/>
+    <ds:schemaRef ds:uri="http://purl.org/dc/terms/"/>
+    <ds:schemaRef ds:uri="http://schemas.openxmlformats.org/package/2006/metadata/core-properties"/>
+    <ds:schemaRef ds:uri="http://schemas.microsoft.com/office/2006/documentManagement/types"/>
+    <ds:schemaRef ds:uri="http://schemas.microsoft.com/office/infopath/2007/PartnerControls"/>
+    <ds:schemaRef ds:uri="http://purl.org/dc/elements/1.1/"/>
+    <ds:schemaRef ds:uri="40f62f3d-88fb-416f-8aeb-e1a0b982e955"/>
+    <ds:schemaRef ds:uri="http://www.w3.org/XML/1998/namespace"/>
+    <ds:schemaRef ds:uri="http://purl.org/dc/dcmitype/"/>
+  </ds:schemaRefs>
+</ds:datastoreItem>
 </file>
 
-<file path=customXml/itemProps1.xml><?xml version="1.0" encoding="utf-8"?>
-<ds:datastoreItem xmlns:ds="http://schemas.openxmlformats.org/officeDocument/2006/customXml" ds:itemID="{A73A4B03-0665-4DB1-95EB-93E2E3EFA372}">
+<file path=customXml/itemProps3.xml><?xml version="1.0" encoding="utf-8"?>
+<ds:datastoreItem xmlns:ds="http://schemas.openxmlformats.org/officeDocument/2006/customXml" ds:itemID="{FE124E90-27AF-4BC0-ADAA-435F2FC671F9}">
   <ds:schemaRefs>
     <ds:schemaRef ds:uri="http://schemas.microsoft.com/office/2006/metadata/contentType"/>
     <ds:schemaRef ds:uri="http://schemas.microsoft.com/office/2006/metadata/properties/metaAttributes"/>
     <ds:schemaRef ds:uri="http://www.w3.org/2001/XMLSchema"/>
     <ds:schemaRef ds:uri="http://schemas.microsoft.com/office/2006/metadata/properties"/>
-    <ds:schemaRef ds:uri="ecd1fa32-ae44-48d6-80a1-71a52da60b4a"/>
+    <ds:schemaRef ds:uri="40f62f3d-88fb-416f-8aeb-e1a0b982e955"/>
     <ds:schemaRef ds:uri="http://schemas.microsoft.com/office/2006/documentManagement/types"/>
     <ds:schemaRef ds:uri="http://schemas.microsoft.com/office/infopath/2007/PartnerControls"/>
     <ds:schemaRef ds:uri="http://schemas.openxmlformats.org/package/2006/metadata/core-properties"/>
@@ -5560,28 +6800,4 @@
     <ds:schemaRef ds:uri="http://schemas.microsoft.com/internal/obd"/>
   </ds:schemaRefs>
 </ds:datastoreItem>
-</file>
-
-<file path=customXml/itemProps2.xml><?xml version="1.0" encoding="utf-8"?>
-<ds:datastoreItem xmlns:ds="http://schemas.openxmlformats.org/officeDocument/2006/customXml" ds:itemID="{9E0815C6-0C3C-41B2-94A3-08042AD9971B}">
-  <ds:schemaRefs>
-    <ds:schemaRef ds:uri="http://schemas.microsoft.com/sharepoint/v3/contenttype/forms"/>
-  </ds:schemaRefs>
-</ds:datastoreItem>
-</file>
-
-<file path=customXml/itemProps3.xml><?xml version="1.0" encoding="utf-8"?>
-<ds:datastoreItem xmlns:ds="http://schemas.openxmlformats.org/officeDocument/2006/customXml" ds:itemID="{5D599C98-5E90-4F27-9E1E-CD2420FEB30D}">
-  <ds:schemaRefs>
-    <ds:schemaRef ds:uri="http://schemas.microsoft.com/office/2006/documentManagement/types"/>
-    <ds:schemaRef ds:uri="http://schemas.openxmlformats.org/package/2006/metadata/core-properties"/>
-    <ds:schemaRef ds:uri="http://purl.org/dc/elements/1.1/"/>
-    <ds:schemaRef ds:uri="http://schemas.microsoft.com/office/infopath/2007/PartnerControls"/>
-    <ds:schemaRef ds:uri="ecd1fa32-ae44-48d6-80a1-71a52da60b4a"/>
-    <ds:schemaRef ds:uri="http://schemas.microsoft.com/office/2006/metadata/properties"/>
-    <ds:schemaRef ds:uri="http://purl.org/dc/terms/"/>
-    <ds:schemaRef ds:uri="http://www.w3.org/XML/1998/namespace"/>
-    <ds:schemaRef ds:uri="http://purl.org/dc/dcmitype/"/>
-  </ds:schemaRefs>
-</ds:datastoreItem>
 </file>